--- a/Git_And_GitHub_Demo.docx.pptx
+++ b/Git_And_GitHub_Demo.docx.pptx
@@ -127,6 +127,11 @@
       </a:defRPr>
     </a:lvl9pPr>
   </p:defaultTextStyle>
+  <p:extLst>
+    <p:ext uri="{EFAFB233-063F-42B5-8137-9DF3F51BA10A}">
+      <p15:sldGuideLst xmlns:p15="http://schemas.microsoft.com/office/powerpoint/2012/main"/>
+    </p:ext>
+  </p:extLst>
 </p:presentation>
 </file>
 
@@ -277,7 +282,7 @@
           <a:p>
             <a:fld id="{2F5C0D5C-E8B6-432E-AA09-39DD33051BDB}" type="datetimeFigureOut">
               <a:rPr lang="en-US" smtClean="0"/>
-              <a:t>9/7/2022</a:t>
+              <a:t>9/9/2022</a:t>
             </a:fld>
             <a:endParaRPr lang="en-US"/>
           </a:p>
@@ -475,7 +480,7 @@
           <a:p>
             <a:fld id="{2F5C0D5C-E8B6-432E-AA09-39DD33051BDB}" type="datetimeFigureOut">
               <a:rPr lang="en-US" smtClean="0"/>
-              <a:t>9/7/2022</a:t>
+              <a:t>9/9/2022</a:t>
             </a:fld>
             <a:endParaRPr lang="en-US"/>
           </a:p>
@@ -683,7 +688,7 @@
           <a:p>
             <a:fld id="{2F5C0D5C-E8B6-432E-AA09-39DD33051BDB}" type="datetimeFigureOut">
               <a:rPr lang="en-US" smtClean="0"/>
-              <a:t>9/7/2022</a:t>
+              <a:t>9/9/2022</a:t>
             </a:fld>
             <a:endParaRPr lang="en-US"/>
           </a:p>
@@ -881,7 +886,7 @@
           <a:p>
             <a:fld id="{2F5C0D5C-E8B6-432E-AA09-39DD33051BDB}" type="datetimeFigureOut">
               <a:rPr lang="en-US" smtClean="0"/>
-              <a:t>9/7/2022</a:t>
+              <a:t>9/9/2022</a:t>
             </a:fld>
             <a:endParaRPr lang="en-US"/>
           </a:p>
@@ -1156,7 +1161,7 @@
           <a:p>
             <a:fld id="{2F5C0D5C-E8B6-432E-AA09-39DD33051BDB}" type="datetimeFigureOut">
               <a:rPr lang="en-US" smtClean="0"/>
-              <a:t>9/7/2022</a:t>
+              <a:t>9/9/2022</a:t>
             </a:fld>
             <a:endParaRPr lang="en-US"/>
           </a:p>
@@ -1421,7 +1426,7 @@
           <a:p>
             <a:fld id="{2F5C0D5C-E8B6-432E-AA09-39DD33051BDB}" type="datetimeFigureOut">
               <a:rPr lang="en-US" smtClean="0"/>
-              <a:t>9/7/2022</a:t>
+              <a:t>9/9/2022</a:t>
             </a:fld>
             <a:endParaRPr lang="en-US"/>
           </a:p>
@@ -1833,7 +1838,7 @@
           <a:p>
             <a:fld id="{2F5C0D5C-E8B6-432E-AA09-39DD33051BDB}" type="datetimeFigureOut">
               <a:rPr lang="en-US" smtClean="0"/>
-              <a:t>9/7/2022</a:t>
+              <a:t>9/9/2022</a:t>
             </a:fld>
             <a:endParaRPr lang="en-US"/>
           </a:p>
@@ -1974,7 +1979,7 @@
           <a:p>
             <a:fld id="{2F5C0D5C-E8B6-432E-AA09-39DD33051BDB}" type="datetimeFigureOut">
               <a:rPr lang="en-US" smtClean="0"/>
-              <a:t>9/7/2022</a:t>
+              <a:t>9/9/2022</a:t>
             </a:fld>
             <a:endParaRPr lang="en-US"/>
           </a:p>
@@ -2087,7 +2092,7 @@
           <a:p>
             <a:fld id="{2F5C0D5C-E8B6-432E-AA09-39DD33051BDB}" type="datetimeFigureOut">
               <a:rPr lang="en-US" smtClean="0"/>
-              <a:t>9/7/2022</a:t>
+              <a:t>9/9/2022</a:t>
             </a:fld>
             <a:endParaRPr lang="en-US"/>
           </a:p>
@@ -2398,7 +2403,7 @@
           <a:p>
             <a:fld id="{2F5C0D5C-E8B6-432E-AA09-39DD33051BDB}" type="datetimeFigureOut">
               <a:rPr lang="en-US" smtClean="0"/>
-              <a:t>9/7/2022</a:t>
+              <a:t>9/9/2022</a:t>
             </a:fld>
             <a:endParaRPr lang="en-US"/>
           </a:p>
@@ -2686,7 +2691,7 @@
           <a:p>
             <a:fld id="{2F5C0D5C-E8B6-432E-AA09-39DD33051BDB}" type="datetimeFigureOut">
               <a:rPr lang="en-US" smtClean="0"/>
-              <a:t>9/7/2022</a:t>
+              <a:t>9/9/2022</a:t>
             </a:fld>
             <a:endParaRPr lang="en-US"/>
           </a:p>
@@ -2927,7 +2932,7 @@
           <a:p>
             <a:fld id="{2F5C0D5C-E8B6-432E-AA09-39DD33051BDB}" type="datetimeFigureOut">
               <a:rPr lang="en-US" smtClean="0"/>
-              <a:t>9/7/2022</a:t>
+              <a:t>9/9/2022</a:t>
             </a:fld>
             <a:endParaRPr lang="en-US"/>
           </a:p>
@@ -3478,7 +3483,37 @@
           <a:bodyPr/>
           <a:lstStyle/>
           <a:p>
-            <a:endParaRPr lang="en-US"/>
+            <a:r>
+              <a:rPr lang="en-US" dirty="0"/>
+              <a:t>To merge the file from feature(branch)</a:t>
+            </a:r>
+          </a:p>
+          <a:p>
+            <a:pPr marL="0" indent="0">
+              <a:buNone/>
+            </a:pPr>
+            <a:r>
+              <a:rPr lang="en-US" dirty="0"/>
+              <a:t>git merge feature :</a:t>
+            </a:r>
+          </a:p>
+          <a:p>
+            <a:pPr marL="0" indent="0">
+              <a:buNone/>
+            </a:pPr>
+            <a:endParaRPr lang="en-US" dirty="0"/>
+          </a:p>
+          <a:p>
+            <a:pPr marL="0" indent="0">
+              <a:buNone/>
+            </a:pPr>
+            <a:r>
+              <a:rPr lang="en-US" dirty="0"/>
+              <a:t>git rebase master</a:t>
+            </a:r>
+          </a:p>
+          <a:p>
+            <a:endParaRPr lang="en-US" dirty="0"/>
           </a:p>
         </p:txBody>
       </p:sp>
@@ -3555,10 +3590,169 @@
         </p:nvSpPr>
         <p:spPr/>
         <p:txBody>
-          <a:bodyPr/>
-          <a:lstStyle/>
-          <a:p>
-            <a:endParaRPr lang="en-US"/>
+          <a:bodyPr>
+            <a:normAutofit/>
+          </a:bodyPr>
+          <a:lstStyle/>
+          <a:p>
+            <a:pPr marL="0" marR="0">
+              <a:spcBef>
+                <a:spcPts val="0"/>
+              </a:spcBef>
+              <a:spcAft>
+                <a:spcPts val="0"/>
+              </a:spcAft>
+            </a:pPr>
+            <a:r>
+              <a:rPr lang="en-US" sz="2400" b="1" dirty="0">
+                <a:effectLst/>
+                <a:ea typeface="Calibri" panose="020F0502020204030204" pitchFamily="34" charset="0"/>
+                <a:cs typeface="Lucida Console" panose="020B0609040504020204" pitchFamily="49" charset="0"/>
+              </a:rPr>
+              <a:t>Clone the repo /push into the repo</a:t>
+            </a:r>
+            <a:r>
+              <a:rPr lang="en-US" sz="2400" dirty="0">
+                <a:effectLst/>
+                <a:ea typeface="Calibri" panose="020F0502020204030204" pitchFamily="34" charset="0"/>
+                <a:cs typeface="Lucida Console" panose="020B0609040504020204" pitchFamily="49" charset="0"/>
+              </a:rPr>
+              <a:t> </a:t>
+            </a:r>
+            <a:endParaRPr lang="en-US" sz="2400" dirty="0">
+              <a:effectLst/>
+              <a:ea typeface="Calibri" panose="020F0502020204030204" pitchFamily="34" charset="0"/>
+              <a:cs typeface="Times New Roman" panose="02020603050405020304" pitchFamily="18" charset="0"/>
+            </a:endParaRPr>
+          </a:p>
+          <a:p>
+            <a:pPr marL="457200" lvl="1" indent="0">
+              <a:spcBef>
+                <a:spcPts val="0"/>
+              </a:spcBef>
+              <a:buNone/>
+            </a:pPr>
+            <a:r>
+              <a:rPr lang="en-US" dirty="0">
+                <a:effectLst/>
+                <a:ea typeface="Calibri" panose="020F0502020204030204" pitchFamily="34" charset="0"/>
+                <a:cs typeface="Lucida Console" panose="020B0609040504020204" pitchFamily="49" charset="0"/>
+              </a:rPr>
+              <a:t>Create a folder where you want to clone the project </a:t>
+            </a:r>
+            <a:endParaRPr lang="en-US" dirty="0">
+              <a:effectLst/>
+              <a:ea typeface="Calibri" panose="020F0502020204030204" pitchFamily="34" charset="0"/>
+              <a:cs typeface="Times New Roman" panose="02020603050405020304" pitchFamily="18" charset="0"/>
+            </a:endParaRPr>
+          </a:p>
+          <a:p>
+            <a:pPr marL="457200" lvl="1" indent="0">
+              <a:spcBef>
+                <a:spcPts val="0"/>
+              </a:spcBef>
+              <a:buNone/>
+            </a:pPr>
+            <a:r>
+              <a:rPr lang="en-US" dirty="0">
+                <a:effectLst/>
+                <a:ea typeface="Calibri" panose="020F0502020204030204" pitchFamily="34" charset="0"/>
+                <a:cs typeface="Lucida Console" panose="020B0609040504020204" pitchFamily="49" charset="0"/>
+              </a:rPr>
+              <a:t>Go to git bash </a:t>
+            </a:r>
+            <a:endParaRPr lang="en-US" dirty="0">
+              <a:effectLst/>
+              <a:ea typeface="Calibri" panose="020F0502020204030204" pitchFamily="34" charset="0"/>
+              <a:cs typeface="Times New Roman" panose="02020603050405020304" pitchFamily="18" charset="0"/>
+            </a:endParaRPr>
+          </a:p>
+          <a:p>
+            <a:pPr marL="457200" lvl="1" indent="0">
+              <a:spcBef>
+                <a:spcPts val="0"/>
+              </a:spcBef>
+              <a:buNone/>
+            </a:pPr>
+            <a:r>
+              <a:rPr lang="en-US" dirty="0">
+                <a:effectLst/>
+                <a:ea typeface="Calibri" panose="020F0502020204030204" pitchFamily="34" charset="0"/>
+                <a:cs typeface="Lucida Console" panose="020B0609040504020204" pitchFamily="49" charset="0"/>
+              </a:rPr>
+              <a:t>git clone “</a:t>
+            </a:r>
+            <a:r>
+              <a:rPr lang="en-US" dirty="0">
+                <a:solidFill>
+                  <a:srgbClr val="24292F"/>
+                </a:solidFill>
+                <a:effectLst/>
+                <a:ea typeface="Calibri" panose="020F0502020204030204" pitchFamily="34" charset="0"/>
+                <a:cs typeface="Times New Roman" panose="02020603050405020304" pitchFamily="18" charset="0"/>
+              </a:rPr>
+              <a:t>https://github.com/Santi2020/</a:t>
+            </a:r>
+            <a:r>
+              <a:rPr lang="en-US" dirty="0" err="1">
+                <a:solidFill>
+                  <a:srgbClr val="24292F"/>
+                </a:solidFill>
+                <a:effectLst/>
+                <a:ea typeface="Calibri" panose="020F0502020204030204" pitchFamily="34" charset="0"/>
+                <a:cs typeface="Times New Roman" panose="02020603050405020304" pitchFamily="18" charset="0"/>
+              </a:rPr>
+              <a:t>testrepo.git</a:t>
+            </a:r>
+            <a:r>
+              <a:rPr lang="en-US" dirty="0">
+                <a:effectLst/>
+                <a:ea typeface="Calibri" panose="020F0502020204030204" pitchFamily="34" charset="0"/>
+                <a:cs typeface="Lucida Console" panose="020B0609040504020204" pitchFamily="49" charset="0"/>
+              </a:rPr>
+              <a:t>”</a:t>
+            </a:r>
+            <a:endParaRPr lang="en-US" dirty="0">
+              <a:effectLst/>
+              <a:ea typeface="Calibri" panose="020F0502020204030204" pitchFamily="34" charset="0"/>
+              <a:cs typeface="Times New Roman" panose="02020603050405020304" pitchFamily="18" charset="0"/>
+            </a:endParaRPr>
+          </a:p>
+          <a:p>
+            <a:r>
+              <a:rPr lang="en-US" sz="2400" b="1" dirty="0"/>
+              <a:t>Pull</a:t>
+            </a:r>
+          </a:p>
+          <a:p>
+            <a:pPr marL="457200" lvl="1" indent="0">
+              <a:buNone/>
+            </a:pPr>
+            <a:r>
+              <a:rPr lang="en-US" dirty="0"/>
+              <a:t>Go to the folder</a:t>
+            </a:r>
+          </a:p>
+          <a:p>
+            <a:pPr marL="457200" lvl="1" indent="0">
+              <a:buNone/>
+            </a:pPr>
+            <a:r>
+              <a:rPr lang="en-US" dirty="0"/>
+              <a:t>Git bash</a:t>
+            </a:r>
+          </a:p>
+          <a:p>
+            <a:pPr marL="457200" lvl="1" indent="0">
+              <a:buNone/>
+            </a:pPr>
+            <a:r>
+              <a:rPr lang="en-US" dirty="0"/>
+              <a:t>git pull origin main</a:t>
+            </a:r>
+          </a:p>
+          <a:p>
+            <a:endParaRPr lang="en-US" dirty="0"/>
           </a:p>
         </p:txBody>
       </p:sp>
@@ -3635,10 +3829,46 @@
         </p:nvSpPr>
         <p:spPr/>
         <p:txBody>
-          <a:bodyPr/>
-          <a:lstStyle/>
-          <a:p>
-            <a:endParaRPr lang="en-US"/>
+          <a:bodyPr>
+            <a:normAutofit/>
+          </a:bodyPr>
+          <a:lstStyle/>
+          <a:p>
+            <a:r>
+              <a:rPr lang="en-US" sz="2400" b="1" dirty="0"/>
+              <a:t>Remote origin</a:t>
+            </a:r>
+          </a:p>
+          <a:p>
+            <a:pPr marL="0" indent="0">
+              <a:buNone/>
+            </a:pPr>
+            <a:r>
+              <a:rPr lang="en-US" sz="2400" dirty="0"/>
+              <a:t>	git remote add origin </a:t>
+            </a:r>
+            <a:r>
+              <a:rPr lang="en-US" sz="2400" dirty="0">
+                <a:hlinkClick r:id="rId2"/>
+              </a:rPr>
+              <a:t>https://github.com/Santi2020/testrepo.git</a:t>
+            </a:r>
+            <a:endParaRPr lang="en-US" sz="2400" dirty="0"/>
+          </a:p>
+          <a:p>
+            <a:r>
+              <a:rPr lang="en-US" sz="2400" b="1" dirty="0"/>
+              <a:t>Push to remote repository</a:t>
+            </a:r>
+          </a:p>
+          <a:p>
+            <a:pPr marL="0" indent="0">
+              <a:buNone/>
+            </a:pPr>
+            <a:r>
+              <a:rPr lang="en-US" sz="2400" dirty="0"/>
+              <a:t>	git push -u origin main</a:t>
+            </a:r>
           </a:p>
         </p:txBody>
       </p:sp>
@@ -3688,12 +3918,33 @@
             <p:ph type="title"/>
           </p:nvPr>
         </p:nvSpPr>
-        <p:spPr/>
-        <p:txBody>
-          <a:bodyPr/>
-          <a:lstStyle/>
-          <a:p>
-            <a:endParaRPr lang="en-US"/>
+        <p:spPr>
+          <a:xfrm>
+            <a:off x="838200" y="189187"/>
+            <a:ext cx="10515600" cy="620110"/>
+          </a:xfrm>
+        </p:spPr>
+        <p:txBody>
+          <a:bodyPr>
+            <a:normAutofit fontScale="90000"/>
+          </a:bodyPr>
+          <a:lstStyle/>
+          <a:p>
+            <a:br>
+              <a:rPr lang="en-US" dirty="0"/>
+            </a:br>
+            <a:r>
+              <a:rPr lang="en-US" sz="3100" b="1" dirty="0"/>
+              <a:t>UI options in Eclipse and </a:t>
+            </a:r>
+            <a:r>
+              <a:rPr lang="en-US" sz="3100" b="1" dirty="0" err="1"/>
+              <a:t>Intellij</a:t>
+            </a:r>
+            <a:br>
+              <a:rPr lang="en-US" sz="3100" b="1" dirty="0"/>
+            </a:br>
+            <a:endParaRPr lang="en-US" sz="3100" dirty="0"/>
           </a:p>
         </p:txBody>
       </p:sp>
@@ -3713,12 +3964,136 @@
             <p:ph idx="1"/>
           </p:nvPr>
         </p:nvSpPr>
-        <p:spPr/>
-        <p:txBody>
-          <a:bodyPr/>
-          <a:lstStyle/>
-          <a:p>
-            <a:endParaRPr lang="en-US"/>
+        <p:spPr>
+          <a:xfrm>
+            <a:off x="838200" y="641131"/>
+            <a:ext cx="10515600" cy="5535832"/>
+          </a:xfrm>
+        </p:spPr>
+        <p:txBody>
+          <a:bodyPr>
+            <a:normAutofit lnSpcReduction="10000"/>
+          </a:bodyPr>
+          <a:lstStyle/>
+          <a:p>
+            <a:endParaRPr lang="en-US" dirty="0"/>
+          </a:p>
+          <a:p>
+            <a:r>
+              <a:rPr lang="en-US" dirty="0"/>
+              <a:t>CLONE a project</a:t>
+            </a:r>
+          </a:p>
+          <a:p>
+            <a:pPr marL="457200" lvl="1" indent="0">
+              <a:buNone/>
+            </a:pPr>
+            <a:r>
+              <a:rPr lang="en-US" dirty="0"/>
+              <a:t>Right click on project explorer  </a:t>
+            </a:r>
+          </a:p>
+          <a:p>
+            <a:pPr marL="457200" lvl="1" indent="0">
+              <a:buNone/>
+            </a:pPr>
+            <a:r>
+              <a:rPr lang="en-US" dirty="0"/>
+              <a:t>import</a:t>
+            </a:r>
+          </a:p>
+          <a:p>
+            <a:pPr marL="457200" lvl="1" indent="0">
+              <a:buNone/>
+            </a:pPr>
+            <a:r>
+              <a:rPr lang="en-US" dirty="0"/>
+              <a:t>projects from git</a:t>
+            </a:r>
+          </a:p>
+          <a:p>
+            <a:pPr marL="457200" lvl="1" indent="0">
+              <a:buNone/>
+            </a:pPr>
+            <a:r>
+              <a:rPr lang="en-US" dirty="0"/>
+              <a:t>next  </a:t>
+            </a:r>
+          </a:p>
+          <a:p>
+            <a:pPr marL="457200" lvl="1" indent="0">
+              <a:buNone/>
+            </a:pPr>
+            <a:r>
+              <a:rPr lang="en-US" dirty="0"/>
+              <a:t>clone URL </a:t>
+            </a:r>
+          </a:p>
+          <a:p>
+            <a:pPr marL="457200" lvl="1" indent="0">
+              <a:buNone/>
+            </a:pPr>
+            <a:r>
+              <a:rPr lang="en-US" dirty="0"/>
+              <a:t>provide remote repo URL </a:t>
+            </a:r>
+          </a:p>
+          <a:p>
+            <a:pPr marL="457200" lvl="1" indent="0">
+              <a:buNone/>
+            </a:pPr>
+            <a:r>
+              <a:rPr lang="en-US" dirty="0"/>
+              <a:t>next </a:t>
+            </a:r>
+          </a:p>
+          <a:p>
+            <a:pPr marL="457200" lvl="1" indent="0">
+              <a:buNone/>
+            </a:pPr>
+            <a:r>
+              <a:rPr lang="en-US" dirty="0"/>
+              <a:t>select the branch  </a:t>
+            </a:r>
+          </a:p>
+          <a:p>
+            <a:pPr marL="457200" lvl="1" indent="0">
+              <a:buNone/>
+            </a:pPr>
+            <a:r>
+              <a:rPr lang="en-US" dirty="0"/>
+              <a:t>select directory  </a:t>
+            </a:r>
+          </a:p>
+          <a:p>
+            <a:pPr marL="457200" lvl="1" indent="0">
+              <a:buNone/>
+            </a:pPr>
+            <a:r>
+              <a:rPr lang="en-US" dirty="0"/>
+              <a:t>import as general project </a:t>
+            </a:r>
+          </a:p>
+          <a:p>
+            <a:pPr marL="457200" lvl="1" indent="0">
+              <a:buNone/>
+            </a:pPr>
+            <a:r>
+              <a:rPr lang="en-US" dirty="0"/>
+              <a:t>provide a project name  </a:t>
+            </a:r>
+          </a:p>
+          <a:p>
+            <a:pPr marL="457200" lvl="1" indent="0">
+              <a:buNone/>
+            </a:pPr>
+            <a:r>
+              <a:rPr lang="en-US" dirty="0"/>
+              <a:t>finish</a:t>
+            </a:r>
+          </a:p>
+          <a:p>
+            <a:endParaRPr lang="en-US" dirty="0"/>
           </a:p>
         </p:txBody>
       </p:sp>
@@ -3768,12 +4143,33 @@
             <p:ph type="title"/>
           </p:nvPr>
         </p:nvSpPr>
-        <p:spPr/>
-        <p:txBody>
-          <a:bodyPr/>
-          <a:lstStyle/>
-          <a:p>
-            <a:endParaRPr lang="en-US"/>
+        <p:spPr>
+          <a:xfrm>
+            <a:off x="838200" y="365126"/>
+            <a:ext cx="10515600" cy="633358"/>
+          </a:xfrm>
+        </p:spPr>
+        <p:txBody>
+          <a:bodyPr>
+            <a:normAutofit fontScale="90000"/>
+          </a:bodyPr>
+          <a:lstStyle/>
+          <a:p>
+            <a:br>
+              <a:rPr lang="en-US" dirty="0"/>
+            </a:br>
+            <a:r>
+              <a:rPr lang="en-US" sz="3100" b="1" dirty="0"/>
+              <a:t>UI options in Eclipse and </a:t>
+            </a:r>
+            <a:r>
+              <a:rPr lang="en-US" sz="3100" b="1" dirty="0" err="1"/>
+              <a:t>Intellij</a:t>
+            </a:r>
+            <a:br>
+              <a:rPr lang="en-US" sz="3100" b="1" dirty="0"/>
+            </a:br>
+            <a:endParaRPr lang="en-US" sz="3100" b="1" dirty="0"/>
           </a:p>
         </p:txBody>
       </p:sp>
@@ -3793,12 +4189,148 @@
             <p:ph idx="1"/>
           </p:nvPr>
         </p:nvSpPr>
-        <p:spPr/>
-        <p:txBody>
-          <a:bodyPr/>
-          <a:lstStyle/>
-          <a:p>
-            <a:endParaRPr lang="en-US"/>
+        <p:spPr>
+          <a:xfrm>
+            <a:off x="838200" y="998484"/>
+            <a:ext cx="10515600" cy="5178479"/>
+          </a:xfrm>
+        </p:spPr>
+        <p:txBody>
+          <a:bodyPr>
+            <a:normAutofit fontScale="70000" lnSpcReduction="20000"/>
+          </a:bodyPr>
+          <a:lstStyle/>
+          <a:p>
+            <a:pPr marL="0" indent="0">
+              <a:buNone/>
+            </a:pPr>
+            <a:r>
+              <a:rPr lang="en-US" dirty="0"/>
+              <a:t>PUSH the changes</a:t>
+            </a:r>
+          </a:p>
+          <a:p>
+            <a:pPr marL="0" indent="0">
+              <a:buNone/>
+            </a:pPr>
+            <a:r>
+              <a:rPr lang="en-US" dirty="0"/>
+              <a:t>Right click on the file  </a:t>
+            </a:r>
+          </a:p>
+          <a:p>
+            <a:pPr marL="0" indent="0">
+              <a:buNone/>
+            </a:pPr>
+            <a:r>
+              <a:rPr lang="en-US" dirty="0"/>
+              <a:t>Team  </a:t>
+            </a:r>
+          </a:p>
+          <a:p>
+            <a:pPr marL="0" indent="0">
+              <a:buNone/>
+            </a:pPr>
+            <a:r>
+              <a:rPr lang="en-US" dirty="0"/>
+              <a:t>Add to index </a:t>
+            </a:r>
+          </a:p>
+          <a:p>
+            <a:pPr marL="0" indent="0">
+              <a:buNone/>
+            </a:pPr>
+            <a:r>
+              <a:rPr lang="en-US" dirty="0"/>
+              <a:t>(file added to staging)</a:t>
+            </a:r>
+          </a:p>
+          <a:p>
+            <a:pPr marL="0" indent="0">
+              <a:buNone/>
+            </a:pPr>
+            <a:endParaRPr lang="en-US" dirty="0"/>
+          </a:p>
+          <a:p>
+            <a:pPr marL="0" indent="0">
+              <a:buNone/>
+            </a:pPr>
+            <a:r>
+              <a:rPr lang="en-US" dirty="0"/>
+              <a:t>Right click on the file  </a:t>
+            </a:r>
+          </a:p>
+          <a:p>
+            <a:pPr marL="0" indent="0">
+              <a:buNone/>
+            </a:pPr>
+            <a:r>
+              <a:rPr lang="en-US" dirty="0"/>
+              <a:t>Team  </a:t>
+            </a:r>
+          </a:p>
+          <a:p>
+            <a:pPr marL="0" indent="0">
+              <a:buNone/>
+            </a:pPr>
+            <a:r>
+              <a:rPr lang="en-US" dirty="0"/>
+              <a:t>commit  </a:t>
+            </a:r>
+          </a:p>
+          <a:p>
+            <a:pPr marL="0" indent="0">
+              <a:buNone/>
+            </a:pPr>
+            <a:r>
+              <a:rPr lang="en-US" dirty="0"/>
+              <a:t>which open a window to provide commit message  </a:t>
+            </a:r>
+          </a:p>
+          <a:p>
+            <a:pPr marL="0" indent="0">
+              <a:buNone/>
+            </a:pPr>
+            <a:r>
+              <a:rPr lang="en-US" dirty="0"/>
+              <a:t>click commit (for local repo)</a:t>
+            </a:r>
+          </a:p>
+          <a:p>
+            <a:pPr marL="0" indent="0">
+              <a:buNone/>
+            </a:pPr>
+            <a:r>
+              <a:rPr lang="en-US" dirty="0"/>
+              <a:t>	commit and push (for remote repo)  provide username and password credentials    </a:t>
+            </a:r>
+          </a:p>
+          <a:p>
+            <a:pPr marL="0" indent="0">
+              <a:buNone/>
+            </a:pPr>
+            <a:endParaRPr lang="en-US" dirty="0"/>
+          </a:p>
+          <a:p>
+            <a:pPr marL="0" indent="0">
+              <a:buNone/>
+            </a:pPr>
+            <a:r>
+              <a:rPr lang="en-US" dirty="0"/>
+              <a:t>PULL the changes</a:t>
+            </a:r>
+          </a:p>
+          <a:p>
+            <a:pPr marL="0" indent="0">
+              <a:buNone/>
+            </a:pPr>
+            <a:r>
+              <a:rPr lang="en-US" dirty="0"/>
+              <a:t>Right click on the file  Team Pull</a:t>
+            </a:r>
+          </a:p>
+          <a:p>
+            <a:endParaRPr lang="en-US" dirty="0"/>
           </a:p>
         </p:txBody>
       </p:sp>
@@ -4845,12 +5377,28 @@
             <p:ph type="title"/>
           </p:nvPr>
         </p:nvSpPr>
-        <p:spPr/>
-        <p:txBody>
-          <a:bodyPr/>
-          <a:lstStyle/>
-          <a:p>
-            <a:endParaRPr lang="en-US"/>
+        <p:spPr>
+          <a:xfrm>
+            <a:off x="838200" y="365125"/>
+            <a:ext cx="10515600" cy="412641"/>
+          </a:xfrm>
+        </p:spPr>
+        <p:txBody>
+          <a:bodyPr>
+            <a:noAutofit/>
+          </a:bodyPr>
+          <a:lstStyle/>
+          <a:p>
+            <a:r>
+              <a:rPr lang="en-US" sz="2400" b="1" dirty="0">
+                <a:effectLst/>
+                <a:latin typeface="Calibri" panose="020F0502020204030204" pitchFamily="34" charset="0"/>
+                <a:ea typeface="Calibri" panose="020F0502020204030204" pitchFamily="34" charset="0"/>
+                <a:cs typeface="Times New Roman" panose="02020603050405020304" pitchFamily="18" charset="0"/>
+              </a:rPr>
+              <a:t>Git architecture</a:t>
+            </a:r>
+            <a:endParaRPr lang="en-US" sz="2400" dirty="0"/>
           </a:p>
         </p:txBody>
       </p:sp>
@@ -4870,15 +5418,471 @@
             <p:ph idx="1"/>
           </p:nvPr>
         </p:nvSpPr>
-        <p:spPr/>
-        <p:txBody>
-          <a:bodyPr/>
-          <a:lstStyle/>
-          <a:p>
-            <a:endParaRPr lang="en-US"/>
-          </a:p>
-        </p:txBody>
-      </p:sp>
+        <p:spPr>
+          <a:xfrm>
+            <a:off x="838200" y="882869"/>
+            <a:ext cx="10515600" cy="5717628"/>
+          </a:xfrm>
+        </p:spPr>
+        <p:txBody>
+          <a:bodyPr>
+            <a:normAutofit lnSpcReduction="10000"/>
+          </a:bodyPr>
+          <a:lstStyle/>
+          <a:p>
+            <a:pPr marL="0" marR="0" indent="0">
+              <a:spcBef>
+                <a:spcPts val="0"/>
+              </a:spcBef>
+              <a:spcAft>
+                <a:spcPts val="0"/>
+              </a:spcAft>
+              <a:buNone/>
+            </a:pPr>
+            <a:endParaRPr lang="en-US" sz="1800" dirty="0">
+              <a:effectLst/>
+              <a:latin typeface="Calibri" panose="020F0502020204030204" pitchFamily="34" charset="0"/>
+              <a:ea typeface="Calibri" panose="020F0502020204030204" pitchFamily="34" charset="0"/>
+              <a:cs typeface="Times New Roman" panose="02020603050405020304" pitchFamily="18" charset="0"/>
+            </a:endParaRPr>
+          </a:p>
+          <a:p>
+            <a:pPr marL="0" marR="0">
+              <a:spcBef>
+                <a:spcPts val="0"/>
+              </a:spcBef>
+              <a:spcAft>
+                <a:spcPts val="0"/>
+              </a:spcAft>
+            </a:pPr>
+            <a:r>
+              <a:rPr lang="en-US" sz="1800" dirty="0">
+                <a:effectLst/>
+                <a:latin typeface="Calibri" panose="020F0502020204030204" pitchFamily="34" charset="0"/>
+                <a:ea typeface="Calibri" panose="020F0502020204030204" pitchFamily="34" charset="0"/>
+                <a:cs typeface="Times New Roman" panose="02020603050405020304" pitchFamily="18" charset="0"/>
+              </a:rPr>
+              <a:t>Working </a:t>
+            </a:r>
+            <a:r>
+              <a:rPr lang="en-US" sz="1800" dirty="0" err="1">
+                <a:effectLst/>
+                <a:latin typeface="Calibri" panose="020F0502020204030204" pitchFamily="34" charset="0"/>
+                <a:ea typeface="Calibri" panose="020F0502020204030204" pitchFamily="34" charset="0"/>
+                <a:cs typeface="Times New Roman" panose="02020603050405020304" pitchFamily="18" charset="0"/>
+              </a:rPr>
+              <a:t>dir</a:t>
+            </a:r>
+            <a:r>
+              <a:rPr lang="en-US" sz="1800" dirty="0">
+                <a:effectLst/>
+                <a:latin typeface="Calibri" panose="020F0502020204030204" pitchFamily="34" charset="0"/>
+                <a:ea typeface="Calibri" panose="020F0502020204030204" pitchFamily="34" charset="0"/>
+                <a:cs typeface="Times New Roman" panose="02020603050405020304" pitchFamily="18" charset="0"/>
+              </a:rPr>
+              <a:t> </a:t>
+            </a:r>
+            <a:r>
+              <a:rPr lang="en-US" sz="1800" dirty="0">
+                <a:effectLst/>
+                <a:latin typeface="Calibri" panose="020F0502020204030204" pitchFamily="34" charset="0"/>
+                <a:ea typeface="Calibri" panose="020F0502020204030204" pitchFamily="34" charset="0"/>
+                <a:cs typeface="Times New Roman" panose="02020603050405020304" pitchFamily="18" charset="0"/>
+                <a:sym typeface="Wingdings" panose="05000000000000000000" pitchFamily="2" charset="2"/>
+              </a:rPr>
+              <a:t></a:t>
+            </a:r>
+            <a:r>
+              <a:rPr lang="en-US" sz="1800" dirty="0">
+                <a:effectLst/>
+                <a:latin typeface="Calibri" panose="020F0502020204030204" pitchFamily="34" charset="0"/>
+                <a:ea typeface="Calibri" panose="020F0502020204030204" pitchFamily="34" charset="0"/>
+                <a:cs typeface="Times New Roman" panose="02020603050405020304" pitchFamily="18" charset="0"/>
+              </a:rPr>
+              <a:t> Staging </a:t>
+            </a:r>
+            <a:r>
+              <a:rPr lang="en-US" sz="1800" dirty="0">
+                <a:effectLst/>
+                <a:latin typeface="Calibri" panose="020F0502020204030204" pitchFamily="34" charset="0"/>
+                <a:ea typeface="Calibri" panose="020F0502020204030204" pitchFamily="34" charset="0"/>
+                <a:cs typeface="Times New Roman" panose="02020603050405020304" pitchFamily="18" charset="0"/>
+                <a:sym typeface="Wingdings" panose="05000000000000000000" pitchFamily="2" charset="2"/>
+              </a:rPr>
+              <a:t></a:t>
+            </a:r>
+            <a:r>
+              <a:rPr lang="en-US" sz="1800" dirty="0">
+                <a:effectLst/>
+                <a:latin typeface="Calibri" panose="020F0502020204030204" pitchFamily="34" charset="0"/>
+                <a:ea typeface="Calibri" panose="020F0502020204030204" pitchFamily="34" charset="0"/>
+                <a:cs typeface="Times New Roman" panose="02020603050405020304" pitchFamily="18" charset="0"/>
+              </a:rPr>
+              <a:t> Local repository {Git) </a:t>
+            </a:r>
+            <a:r>
+              <a:rPr lang="en-US" sz="1800" dirty="0">
+                <a:effectLst/>
+                <a:latin typeface="Calibri" panose="020F0502020204030204" pitchFamily="34" charset="0"/>
+                <a:ea typeface="Calibri" panose="020F0502020204030204" pitchFamily="34" charset="0"/>
+                <a:cs typeface="Times New Roman" panose="02020603050405020304" pitchFamily="18" charset="0"/>
+                <a:sym typeface="Wingdings" panose="05000000000000000000" pitchFamily="2" charset="2"/>
+              </a:rPr>
+              <a:t></a:t>
+            </a:r>
+            <a:r>
+              <a:rPr lang="en-US" sz="1800" dirty="0">
+                <a:effectLst/>
+                <a:latin typeface="Calibri" panose="020F0502020204030204" pitchFamily="34" charset="0"/>
+                <a:ea typeface="Calibri" panose="020F0502020204030204" pitchFamily="34" charset="0"/>
+                <a:cs typeface="Times New Roman" panose="02020603050405020304" pitchFamily="18" charset="0"/>
+              </a:rPr>
+              <a:t> Remote repository / GitHub</a:t>
+            </a:r>
+          </a:p>
+          <a:p>
+            <a:endParaRPr lang="en-US" dirty="0"/>
+          </a:p>
+          <a:p>
+            <a:endParaRPr lang="en-US" dirty="0"/>
+          </a:p>
+          <a:p>
+            <a:endParaRPr lang="en-US" dirty="0"/>
+          </a:p>
+          <a:p>
+            <a:endParaRPr lang="en-US" dirty="0"/>
+          </a:p>
+          <a:p>
+            <a:endParaRPr lang="en-US" dirty="0"/>
+          </a:p>
+          <a:p>
+            <a:endParaRPr lang="en-US" dirty="0"/>
+          </a:p>
+          <a:p>
+            <a:endParaRPr lang="en-US" dirty="0"/>
+          </a:p>
+          <a:p>
+            <a:pPr marL="0" marR="0">
+              <a:spcBef>
+                <a:spcPts val="0"/>
+              </a:spcBef>
+              <a:spcAft>
+                <a:spcPts val="0"/>
+              </a:spcAft>
+            </a:pPr>
+            <a:endParaRPr lang="en-US" sz="1400" dirty="0">
+              <a:effectLst/>
+              <a:latin typeface="Calibri" panose="020F0502020204030204" pitchFamily="34" charset="0"/>
+              <a:ea typeface="Calibri" panose="020F0502020204030204" pitchFamily="34" charset="0"/>
+              <a:cs typeface="Times New Roman" panose="02020603050405020304" pitchFamily="18" charset="0"/>
+            </a:endParaRPr>
+          </a:p>
+          <a:p>
+            <a:pPr marL="0" marR="0">
+              <a:spcBef>
+                <a:spcPts val="0"/>
+              </a:spcBef>
+              <a:spcAft>
+                <a:spcPts val="0"/>
+              </a:spcAft>
+            </a:pPr>
+            <a:endParaRPr lang="en-US" sz="1400" dirty="0">
+              <a:latin typeface="Calibri" panose="020F0502020204030204" pitchFamily="34" charset="0"/>
+              <a:ea typeface="Calibri" panose="020F0502020204030204" pitchFamily="34" charset="0"/>
+              <a:cs typeface="Times New Roman" panose="02020603050405020304" pitchFamily="18" charset="0"/>
+            </a:endParaRPr>
+          </a:p>
+          <a:p>
+            <a:pPr marL="0" marR="0">
+              <a:spcBef>
+                <a:spcPts val="0"/>
+              </a:spcBef>
+              <a:spcAft>
+                <a:spcPts val="0"/>
+              </a:spcAft>
+            </a:pPr>
+            <a:endParaRPr lang="en-US" sz="1400" dirty="0">
+              <a:effectLst/>
+              <a:latin typeface="Calibri" panose="020F0502020204030204" pitchFamily="34" charset="0"/>
+              <a:ea typeface="Calibri" panose="020F0502020204030204" pitchFamily="34" charset="0"/>
+              <a:cs typeface="Times New Roman" panose="02020603050405020304" pitchFamily="18" charset="0"/>
+            </a:endParaRPr>
+          </a:p>
+          <a:p>
+            <a:pPr marL="0" marR="0">
+              <a:spcBef>
+                <a:spcPts val="0"/>
+              </a:spcBef>
+              <a:spcAft>
+                <a:spcPts val="0"/>
+              </a:spcAft>
+            </a:pPr>
+            <a:endParaRPr lang="en-US" sz="1400" dirty="0">
+              <a:latin typeface="Calibri" panose="020F0502020204030204" pitchFamily="34" charset="0"/>
+              <a:ea typeface="Calibri" panose="020F0502020204030204" pitchFamily="34" charset="0"/>
+              <a:cs typeface="Times New Roman" panose="02020603050405020304" pitchFamily="18" charset="0"/>
+            </a:endParaRPr>
+          </a:p>
+          <a:p>
+            <a:pPr marL="0" marR="0">
+              <a:spcBef>
+                <a:spcPts val="0"/>
+              </a:spcBef>
+              <a:spcAft>
+                <a:spcPts val="0"/>
+              </a:spcAft>
+            </a:pPr>
+            <a:endParaRPr lang="en-US" sz="1400" dirty="0">
+              <a:effectLst/>
+              <a:latin typeface="Calibri" panose="020F0502020204030204" pitchFamily="34" charset="0"/>
+              <a:ea typeface="Calibri" panose="020F0502020204030204" pitchFamily="34" charset="0"/>
+              <a:cs typeface="Times New Roman" panose="02020603050405020304" pitchFamily="18" charset="0"/>
+            </a:endParaRPr>
+          </a:p>
+          <a:p>
+            <a:pPr marL="0" marR="0">
+              <a:spcBef>
+                <a:spcPts val="0"/>
+              </a:spcBef>
+              <a:spcAft>
+                <a:spcPts val="0"/>
+              </a:spcAft>
+            </a:pPr>
+            <a:r>
+              <a:rPr lang="en-US" sz="1400" dirty="0">
+                <a:effectLst/>
+                <a:latin typeface="Calibri" panose="020F0502020204030204" pitchFamily="34" charset="0"/>
+                <a:ea typeface="Calibri" panose="020F0502020204030204" pitchFamily="34" charset="0"/>
+                <a:cs typeface="Times New Roman" panose="02020603050405020304" pitchFamily="18" charset="0"/>
+              </a:rPr>
+              <a:t>Working </a:t>
+            </a:r>
+            <a:r>
+              <a:rPr lang="en-US" sz="1400" dirty="0" err="1">
+                <a:effectLst/>
+                <a:latin typeface="Calibri" panose="020F0502020204030204" pitchFamily="34" charset="0"/>
+                <a:ea typeface="Calibri" panose="020F0502020204030204" pitchFamily="34" charset="0"/>
+                <a:cs typeface="Times New Roman" panose="02020603050405020304" pitchFamily="18" charset="0"/>
+              </a:rPr>
+              <a:t>dir</a:t>
+            </a:r>
+            <a:r>
+              <a:rPr lang="en-US" sz="1400" dirty="0">
+                <a:effectLst/>
+                <a:latin typeface="Calibri" panose="020F0502020204030204" pitchFamily="34" charset="0"/>
+                <a:ea typeface="Calibri" panose="020F0502020204030204" pitchFamily="34" charset="0"/>
+                <a:cs typeface="Times New Roman" panose="02020603050405020304" pitchFamily="18" charset="0"/>
+              </a:rPr>
+              <a:t> </a:t>
+            </a:r>
+            <a:r>
+              <a:rPr lang="en-US" sz="1400" dirty="0">
+                <a:effectLst/>
+                <a:latin typeface="Calibri" panose="020F0502020204030204" pitchFamily="34" charset="0"/>
+                <a:ea typeface="Calibri" panose="020F0502020204030204" pitchFamily="34" charset="0"/>
+                <a:cs typeface="Times New Roman" panose="02020603050405020304" pitchFamily="18" charset="0"/>
+                <a:sym typeface="Wingdings" panose="05000000000000000000" pitchFamily="2" charset="2"/>
+              </a:rPr>
+              <a:t></a:t>
+            </a:r>
+            <a:r>
+              <a:rPr lang="en-US" sz="1400" dirty="0">
+                <a:effectLst/>
+                <a:latin typeface="Calibri" panose="020F0502020204030204" pitchFamily="34" charset="0"/>
+                <a:ea typeface="Calibri" panose="020F0502020204030204" pitchFamily="34" charset="0"/>
+                <a:cs typeface="Times New Roman" panose="02020603050405020304" pitchFamily="18" charset="0"/>
+              </a:rPr>
+              <a:t>workspace </a:t>
+            </a:r>
+            <a:r>
+              <a:rPr lang="en-US" sz="1400" dirty="0">
+                <a:effectLst/>
+                <a:latin typeface="Calibri" panose="020F0502020204030204" pitchFamily="34" charset="0"/>
+                <a:ea typeface="Calibri" panose="020F0502020204030204" pitchFamily="34" charset="0"/>
+                <a:cs typeface="Times New Roman" panose="02020603050405020304" pitchFamily="18" charset="0"/>
+                <a:sym typeface="Wingdings" panose="05000000000000000000" pitchFamily="2" charset="2"/>
+              </a:rPr>
+              <a:t></a:t>
+            </a:r>
+            <a:r>
+              <a:rPr lang="en-US" sz="1400" dirty="0">
+                <a:effectLst/>
+                <a:latin typeface="Calibri" panose="020F0502020204030204" pitchFamily="34" charset="0"/>
+                <a:ea typeface="Calibri" panose="020F0502020204030204" pitchFamily="34" charset="0"/>
+                <a:cs typeface="Times New Roman" panose="02020603050405020304" pitchFamily="18" charset="0"/>
+              </a:rPr>
+              <a:t>Untracked files</a:t>
+            </a:r>
+          </a:p>
+          <a:p>
+            <a:pPr marL="0" marR="0">
+              <a:spcBef>
+                <a:spcPts val="0"/>
+              </a:spcBef>
+              <a:spcAft>
+                <a:spcPts val="0"/>
+              </a:spcAft>
+            </a:pPr>
+            <a:r>
+              <a:rPr lang="en-US" sz="1400" dirty="0">
+                <a:effectLst/>
+                <a:latin typeface="Calibri" panose="020F0502020204030204" pitchFamily="34" charset="0"/>
+                <a:ea typeface="Calibri" panose="020F0502020204030204" pitchFamily="34" charset="0"/>
+                <a:cs typeface="Times New Roman" panose="02020603050405020304" pitchFamily="18" charset="0"/>
+              </a:rPr>
+              <a:t>Staging </a:t>
+            </a:r>
+            <a:r>
+              <a:rPr lang="en-US" sz="1400" dirty="0">
+                <a:effectLst/>
+                <a:latin typeface="Calibri" panose="020F0502020204030204" pitchFamily="34" charset="0"/>
+                <a:ea typeface="Calibri" panose="020F0502020204030204" pitchFamily="34" charset="0"/>
+                <a:cs typeface="Times New Roman" panose="02020603050405020304" pitchFamily="18" charset="0"/>
+                <a:sym typeface="Wingdings" panose="05000000000000000000" pitchFamily="2" charset="2"/>
+              </a:rPr>
+              <a:t></a:t>
+            </a:r>
+            <a:r>
+              <a:rPr lang="en-US" sz="1400" dirty="0">
+                <a:effectLst/>
+                <a:latin typeface="Calibri" panose="020F0502020204030204" pitchFamily="34" charset="0"/>
+                <a:ea typeface="Calibri" panose="020F0502020204030204" pitchFamily="34" charset="0"/>
+                <a:cs typeface="Times New Roman" panose="02020603050405020304" pitchFamily="18" charset="0"/>
+              </a:rPr>
+              <a:t>Tracked files</a:t>
+            </a:r>
+          </a:p>
+          <a:p>
+            <a:pPr marL="0" marR="0">
+              <a:spcBef>
+                <a:spcPts val="0"/>
+              </a:spcBef>
+              <a:spcAft>
+                <a:spcPts val="0"/>
+              </a:spcAft>
+            </a:pPr>
+            <a:r>
+              <a:rPr lang="en-US" sz="1400" dirty="0">
+                <a:effectLst/>
+                <a:latin typeface="Calibri" panose="020F0502020204030204" pitchFamily="34" charset="0"/>
+                <a:ea typeface="Calibri" panose="020F0502020204030204" pitchFamily="34" charset="0"/>
+                <a:cs typeface="Times New Roman" panose="02020603050405020304" pitchFamily="18" charset="0"/>
+              </a:rPr>
+              <a:t>Git          : Local repository </a:t>
+            </a:r>
+            <a:r>
+              <a:rPr lang="en-US" sz="1400" dirty="0">
+                <a:effectLst/>
+                <a:latin typeface="Calibri" panose="020F0502020204030204" pitchFamily="34" charset="0"/>
+                <a:ea typeface="Calibri" panose="020F0502020204030204" pitchFamily="34" charset="0"/>
+                <a:cs typeface="Times New Roman" panose="02020603050405020304" pitchFamily="18" charset="0"/>
+                <a:sym typeface="Wingdings" panose="05000000000000000000" pitchFamily="2" charset="2"/>
+              </a:rPr>
+              <a:t></a:t>
+            </a:r>
+            <a:r>
+              <a:rPr lang="en-US" sz="1400" dirty="0">
+                <a:effectLst/>
+                <a:latin typeface="Calibri" panose="020F0502020204030204" pitchFamily="34" charset="0"/>
+                <a:ea typeface="Calibri" panose="020F0502020204030204" pitchFamily="34" charset="0"/>
+                <a:cs typeface="Times New Roman" panose="02020603050405020304" pitchFamily="18" charset="0"/>
+              </a:rPr>
+              <a:t> committed files</a:t>
+            </a:r>
+          </a:p>
+          <a:p>
+            <a:pPr marL="0" marR="0">
+              <a:spcBef>
+                <a:spcPts val="0"/>
+              </a:spcBef>
+              <a:spcAft>
+                <a:spcPts val="0"/>
+              </a:spcAft>
+            </a:pPr>
+            <a:r>
+              <a:rPr lang="en-US" sz="1400" dirty="0" err="1">
+                <a:effectLst/>
+                <a:latin typeface="Calibri" panose="020F0502020204030204" pitchFamily="34" charset="0"/>
+                <a:ea typeface="Calibri" panose="020F0502020204030204" pitchFamily="34" charset="0"/>
+                <a:cs typeface="Times New Roman" panose="02020603050405020304" pitchFamily="18" charset="0"/>
+              </a:rPr>
+              <a:t>GITHub</a:t>
+            </a:r>
+            <a:r>
+              <a:rPr lang="en-US" sz="1400" dirty="0">
+                <a:effectLst/>
+                <a:latin typeface="Calibri" panose="020F0502020204030204" pitchFamily="34" charset="0"/>
+                <a:ea typeface="Calibri" panose="020F0502020204030204" pitchFamily="34" charset="0"/>
+                <a:cs typeface="Times New Roman" panose="02020603050405020304" pitchFamily="18" charset="0"/>
+              </a:rPr>
+              <a:t> : Remote repository </a:t>
+            </a:r>
+            <a:r>
+              <a:rPr lang="en-US" sz="1400" dirty="0">
+                <a:effectLst/>
+                <a:latin typeface="Calibri" panose="020F0502020204030204" pitchFamily="34" charset="0"/>
+                <a:ea typeface="Calibri" panose="020F0502020204030204" pitchFamily="34" charset="0"/>
+                <a:cs typeface="Times New Roman" panose="02020603050405020304" pitchFamily="18" charset="0"/>
+                <a:sym typeface="Wingdings" panose="05000000000000000000" pitchFamily="2" charset="2"/>
+              </a:rPr>
+              <a:t></a:t>
+            </a:r>
+            <a:r>
+              <a:rPr lang="en-US" sz="1400" dirty="0">
+                <a:effectLst/>
+                <a:latin typeface="Calibri" panose="020F0502020204030204" pitchFamily="34" charset="0"/>
+                <a:ea typeface="Calibri" panose="020F0502020204030204" pitchFamily="34" charset="0"/>
+                <a:cs typeface="Times New Roman" panose="02020603050405020304" pitchFamily="18" charset="0"/>
+              </a:rPr>
+              <a:t>Remote files</a:t>
+            </a:r>
+          </a:p>
+          <a:p>
+            <a:endParaRPr lang="en-US" dirty="0"/>
+          </a:p>
+        </p:txBody>
+      </p:sp>
+      <p:pic>
+        <p:nvPicPr>
+          <p:cNvPr id="8" name="Picture 7">
+            <a:extLst>
+              <a:ext uri="{FF2B5EF4-FFF2-40B4-BE49-F238E27FC236}">
+                <a16:creationId xmlns:a16="http://schemas.microsoft.com/office/drawing/2014/main" id="{35437CE0-82B3-967F-500F-79D798DD8A3F}"/>
+              </a:ext>
+            </a:extLst>
+          </p:cNvPr>
+          <p:cNvPicPr>
+            <a:picLocks noChangeAspect="1"/>
+          </p:cNvPicPr>
+          <p:nvPr/>
+        </p:nvPicPr>
+        <p:blipFill>
+          <a:blip r:embed="rId2">
+            <a:extLst>
+              <a:ext uri="{28A0092B-C50C-407E-A947-70E740481C1C}">
+                <a14:useLocalDpi xmlns:a14="http://schemas.microsoft.com/office/drawing/2010/main" val="0"/>
+              </a:ext>
+            </a:extLst>
+          </a:blip>
+          <a:srcRect/>
+          <a:stretch>
+            <a:fillRect/>
+          </a:stretch>
+        </p:blipFill>
+        <p:spPr bwMode="auto">
+          <a:xfrm>
+            <a:off x="838200" y="1561521"/>
+            <a:ext cx="9974887" cy="3882838"/>
+          </a:xfrm>
+          <a:prstGeom prst="rect">
+            <a:avLst/>
+          </a:prstGeom>
+          <a:noFill/>
+          <a:ln>
+            <a:noFill/>
+          </a:ln>
+        </p:spPr>
+      </p:pic>
     </p:spTree>
     <p:extLst>
       <p:ext uri="{BB962C8B-B14F-4D97-AF65-F5344CB8AC3E}">
@@ -4930,7 +5934,10 @@
           <a:bodyPr/>
           <a:lstStyle/>
           <a:p>
-            <a:endParaRPr lang="en-US"/>
+            <a:r>
+              <a:rPr lang="en-US" dirty="0"/>
+              <a:t>Launch Git</a:t>
+            </a:r>
           </a:p>
         </p:txBody>
       </p:sp>
@@ -4955,7 +5962,208 @@
           <a:bodyPr/>
           <a:lstStyle/>
           <a:p>
-            <a:endParaRPr lang="en-US"/>
+            <a:pPr marL="0" marR="0">
+              <a:spcBef>
+                <a:spcPts val="0"/>
+              </a:spcBef>
+              <a:spcAft>
+                <a:spcPts val="0"/>
+              </a:spcAft>
+            </a:pPr>
+            <a:r>
+              <a:rPr lang="en-US" sz="1800" b="1" dirty="0">
+                <a:effectLst/>
+                <a:latin typeface="Calibri" panose="020F0502020204030204" pitchFamily="34" charset="0"/>
+                <a:ea typeface="Calibri" panose="020F0502020204030204" pitchFamily="34" charset="0"/>
+                <a:cs typeface="Times New Roman" panose="02020603050405020304" pitchFamily="18" charset="0"/>
+              </a:rPr>
+              <a:t>To Launch Git</a:t>
+            </a:r>
+            <a:endParaRPr lang="en-US" sz="1800" dirty="0">
+              <a:effectLst/>
+              <a:latin typeface="Calibri" panose="020F0502020204030204" pitchFamily="34" charset="0"/>
+              <a:ea typeface="Calibri" panose="020F0502020204030204" pitchFamily="34" charset="0"/>
+              <a:cs typeface="Times New Roman" panose="02020603050405020304" pitchFamily="18" charset="0"/>
+            </a:endParaRPr>
+          </a:p>
+          <a:p>
+            <a:pPr marL="0" marR="0">
+              <a:spcBef>
+                <a:spcPts val="0"/>
+              </a:spcBef>
+              <a:spcAft>
+                <a:spcPts val="0"/>
+              </a:spcAft>
+            </a:pPr>
+            <a:r>
+              <a:rPr lang="en-US" sz="1800" dirty="0">
+                <a:effectLst/>
+                <a:latin typeface="Calibri" panose="020F0502020204030204" pitchFamily="34" charset="0"/>
+                <a:ea typeface="Calibri" panose="020F0502020204030204" pitchFamily="34" charset="0"/>
+                <a:cs typeface="Times New Roman" panose="02020603050405020304" pitchFamily="18" charset="0"/>
+              </a:rPr>
+              <a:t>Go to your project folder</a:t>
+            </a:r>
+            <a:r>
+              <a:rPr lang="en-US" sz="1800" dirty="0">
+                <a:effectLst/>
+                <a:latin typeface="Calibri" panose="020F0502020204030204" pitchFamily="34" charset="0"/>
+                <a:ea typeface="Calibri" panose="020F0502020204030204" pitchFamily="34" charset="0"/>
+                <a:cs typeface="Times New Roman" panose="02020603050405020304" pitchFamily="18" charset="0"/>
+                <a:sym typeface="Wingdings" panose="05000000000000000000" pitchFamily="2" charset="2"/>
+              </a:rPr>
+              <a:t></a:t>
+            </a:r>
+            <a:r>
+              <a:rPr lang="en-US" sz="1800" dirty="0">
+                <a:effectLst/>
+                <a:latin typeface="Calibri" panose="020F0502020204030204" pitchFamily="34" charset="0"/>
+                <a:ea typeface="Calibri" panose="020F0502020204030204" pitchFamily="34" charset="0"/>
+                <a:cs typeface="Times New Roman" panose="02020603050405020304" pitchFamily="18" charset="0"/>
+              </a:rPr>
+              <a:t> Right click </a:t>
+            </a:r>
+            <a:r>
+              <a:rPr lang="en-US" sz="1800" dirty="0">
+                <a:effectLst/>
+                <a:latin typeface="Calibri" panose="020F0502020204030204" pitchFamily="34" charset="0"/>
+                <a:ea typeface="Calibri" panose="020F0502020204030204" pitchFamily="34" charset="0"/>
+                <a:cs typeface="Times New Roman" panose="02020603050405020304" pitchFamily="18" charset="0"/>
+                <a:sym typeface="Wingdings" panose="05000000000000000000" pitchFamily="2" charset="2"/>
+              </a:rPr>
+              <a:t></a:t>
+            </a:r>
+            <a:r>
+              <a:rPr lang="en-US" sz="1800" dirty="0">
+                <a:effectLst/>
+                <a:latin typeface="Calibri" panose="020F0502020204030204" pitchFamily="34" charset="0"/>
+                <a:ea typeface="Calibri" panose="020F0502020204030204" pitchFamily="34" charset="0"/>
+                <a:cs typeface="Times New Roman" panose="02020603050405020304" pitchFamily="18" charset="0"/>
+              </a:rPr>
+              <a:t> Git Bash Here</a:t>
+            </a:r>
+          </a:p>
+          <a:p>
+            <a:pPr marL="0" marR="0">
+              <a:spcBef>
+                <a:spcPts val="0"/>
+              </a:spcBef>
+              <a:spcAft>
+                <a:spcPts val="0"/>
+              </a:spcAft>
+            </a:pPr>
+            <a:endParaRPr lang="en-US" sz="1800" dirty="0">
+              <a:effectLst/>
+              <a:latin typeface="Calibri" panose="020F0502020204030204" pitchFamily="34" charset="0"/>
+              <a:ea typeface="Calibri" panose="020F0502020204030204" pitchFamily="34" charset="0"/>
+              <a:cs typeface="Times New Roman" panose="02020603050405020304" pitchFamily="18" charset="0"/>
+            </a:endParaRPr>
+          </a:p>
+          <a:p>
+            <a:pPr marL="0" marR="0">
+              <a:spcBef>
+                <a:spcPts val="0"/>
+              </a:spcBef>
+              <a:spcAft>
+                <a:spcPts val="0"/>
+              </a:spcAft>
+            </a:pPr>
+            <a:r>
+              <a:rPr lang="en-US" sz="1800" dirty="0">
+                <a:effectLst/>
+                <a:latin typeface="Calibri" panose="020F0502020204030204" pitchFamily="34" charset="0"/>
+                <a:ea typeface="Calibri" panose="020F0502020204030204" pitchFamily="34" charset="0"/>
+                <a:cs typeface="Times New Roman" panose="02020603050405020304" pitchFamily="18" charset="0"/>
+              </a:rPr>
+              <a:t>to view your file (this is your project files in local system)</a:t>
+            </a:r>
+          </a:p>
+          <a:p>
+            <a:pPr marL="0" marR="0" indent="0">
+              <a:spcBef>
+                <a:spcPts val="0"/>
+              </a:spcBef>
+              <a:spcAft>
+                <a:spcPts val="0"/>
+              </a:spcAft>
+              <a:buNone/>
+            </a:pPr>
+            <a:r>
+              <a:rPr lang="en-US" sz="1800" dirty="0">
+                <a:latin typeface="Calibri" panose="020F0502020204030204" pitchFamily="34" charset="0"/>
+                <a:ea typeface="Calibri" panose="020F0502020204030204" pitchFamily="34" charset="0"/>
+                <a:cs typeface="Times New Roman" panose="02020603050405020304" pitchFamily="18" charset="0"/>
+              </a:rPr>
+              <a:t>	</a:t>
+            </a:r>
+            <a:r>
+              <a:rPr lang="en-US" sz="1800" dirty="0" err="1">
+                <a:latin typeface="Calibri" panose="020F0502020204030204" pitchFamily="34" charset="0"/>
+                <a:ea typeface="Calibri" panose="020F0502020204030204" pitchFamily="34" charset="0"/>
+                <a:cs typeface="Times New Roman" panose="02020603050405020304" pitchFamily="18" charset="0"/>
+              </a:rPr>
+              <a:t>d</a:t>
+            </a:r>
+            <a:r>
+              <a:rPr lang="en-US" sz="1800" dirty="0" err="1">
+                <a:effectLst/>
+                <a:latin typeface="Calibri" panose="020F0502020204030204" pitchFamily="34" charset="0"/>
+                <a:ea typeface="Calibri" panose="020F0502020204030204" pitchFamily="34" charset="0"/>
+                <a:cs typeface="Times New Roman" panose="02020603050405020304" pitchFamily="18" charset="0"/>
+              </a:rPr>
+              <a:t>ir</a:t>
+            </a:r>
+            <a:r>
+              <a:rPr lang="en-US" sz="1800" dirty="0">
+                <a:effectLst/>
+                <a:latin typeface="Calibri" panose="020F0502020204030204" pitchFamily="34" charset="0"/>
+                <a:ea typeface="Calibri" panose="020F0502020204030204" pitchFamily="34" charset="0"/>
+                <a:cs typeface="Times New Roman" panose="02020603050405020304" pitchFamily="18" charset="0"/>
+              </a:rPr>
+              <a:t>  </a:t>
+            </a:r>
+          </a:p>
+          <a:p>
+            <a:pPr marL="0" marR="0" indent="0">
+              <a:spcBef>
+                <a:spcPts val="0"/>
+              </a:spcBef>
+              <a:spcAft>
+                <a:spcPts val="0"/>
+              </a:spcAft>
+              <a:buNone/>
+            </a:pPr>
+            <a:r>
+              <a:rPr lang="en-US" sz="1800" dirty="0">
+                <a:effectLst/>
+                <a:latin typeface="Calibri" panose="020F0502020204030204" pitchFamily="34" charset="0"/>
+                <a:ea typeface="Calibri" panose="020F0502020204030204" pitchFamily="34" charset="0"/>
+                <a:cs typeface="Times New Roman" panose="02020603050405020304" pitchFamily="18" charset="0"/>
+              </a:rPr>
+              <a:t>	ls</a:t>
+            </a:r>
+          </a:p>
+          <a:p>
+            <a:pPr marL="0" marR="0">
+              <a:spcBef>
+                <a:spcPts val="0"/>
+              </a:spcBef>
+              <a:spcAft>
+                <a:spcPts val="0"/>
+              </a:spcAft>
+            </a:pPr>
+            <a:r>
+              <a:rPr lang="en-US" sz="1800" dirty="0">
+                <a:effectLst/>
+                <a:latin typeface="Calibri" panose="020F0502020204030204" pitchFamily="34" charset="0"/>
+                <a:ea typeface="Calibri" panose="020F0502020204030204" pitchFamily="34" charset="0"/>
+                <a:cs typeface="Times New Roman" panose="02020603050405020304" pitchFamily="18" charset="0"/>
+              </a:rPr>
+              <a:t> </a:t>
+            </a:r>
+          </a:p>
+          <a:p>
+            <a:endParaRPr lang="en-US" dirty="0"/>
           </a:p>
         </p:txBody>
       </p:sp>
@@ -5010,7 +6218,10 @@
           <a:bodyPr/>
           <a:lstStyle/>
           <a:p>
-            <a:endParaRPr lang="en-US"/>
+            <a:r>
+              <a:rPr lang="en-US" dirty="0"/>
+              <a:t>Git commands</a:t>
+            </a:r>
           </a:p>
         </p:txBody>
       </p:sp>
@@ -5032,10 +6243,343 @@
         </p:nvSpPr>
         <p:spPr/>
         <p:txBody>
-          <a:bodyPr/>
-          <a:lstStyle/>
-          <a:p>
-            <a:endParaRPr lang="en-US"/>
+          <a:bodyPr>
+            <a:normAutofit/>
+          </a:bodyPr>
+          <a:lstStyle/>
+          <a:p>
+            <a:pPr marL="0" marR="0">
+              <a:spcBef>
+                <a:spcPts val="0"/>
+              </a:spcBef>
+              <a:spcAft>
+                <a:spcPts val="0"/>
+              </a:spcAft>
+            </a:pPr>
+            <a:endParaRPr lang="en-US" sz="2800" dirty="0">
+              <a:effectLst/>
+              <a:latin typeface="Calibri" panose="020F0502020204030204" pitchFamily="34" charset="0"/>
+              <a:ea typeface="Calibri" panose="020F0502020204030204" pitchFamily="34" charset="0"/>
+              <a:cs typeface="Times New Roman" panose="02020603050405020304" pitchFamily="18" charset="0"/>
+            </a:endParaRPr>
+          </a:p>
+          <a:p>
+            <a:pPr marL="0" marR="0">
+              <a:spcBef>
+                <a:spcPts val="0"/>
+              </a:spcBef>
+              <a:spcAft>
+                <a:spcPts val="0"/>
+              </a:spcAft>
+            </a:pPr>
+            <a:r>
+              <a:rPr lang="en-US" sz="2800" dirty="0">
+                <a:effectLst/>
+                <a:latin typeface="Calibri" panose="020F0502020204030204" pitchFamily="34" charset="0"/>
+                <a:ea typeface="Calibri" panose="020F0502020204030204" pitchFamily="34" charset="0"/>
+                <a:cs typeface="Times New Roman" panose="02020603050405020304" pitchFamily="18" charset="0"/>
+              </a:rPr>
+              <a:t>Configuration commands that is applicable for all  repositories( all projects)</a:t>
+            </a:r>
+          </a:p>
+          <a:p>
+            <a:pPr marL="342900" marR="0" lvl="0" indent="-342900">
+              <a:spcBef>
+                <a:spcPts val="0"/>
+              </a:spcBef>
+              <a:spcAft>
+                <a:spcPts val="0"/>
+              </a:spcAft>
+              <a:buFont typeface="Symbol" panose="05050102010706020507" pitchFamily="18" charset="2"/>
+              <a:buChar char=""/>
+            </a:pPr>
+            <a:r>
+              <a:rPr lang="en-US" sz="2000" b="1" dirty="0">
+                <a:effectLst/>
+                <a:latin typeface="Calibri" panose="020F0502020204030204" pitchFamily="34" charset="0"/>
+                <a:ea typeface="Calibri" panose="020F0502020204030204" pitchFamily="34" charset="0"/>
+                <a:cs typeface="Times New Roman" panose="02020603050405020304" pitchFamily="18" charset="0"/>
+              </a:rPr>
+              <a:t>git config --global </a:t>
+            </a:r>
+            <a:r>
+              <a:rPr lang="en-US" sz="2000" b="1" dirty="0" err="1">
+                <a:effectLst/>
+                <a:latin typeface="Calibri" panose="020F0502020204030204" pitchFamily="34" charset="0"/>
+                <a:ea typeface="Calibri" panose="020F0502020204030204" pitchFamily="34" charset="0"/>
+                <a:cs typeface="Times New Roman" panose="02020603050405020304" pitchFamily="18" charset="0"/>
+              </a:rPr>
+              <a:t>user.email</a:t>
+            </a:r>
+            <a:r>
+              <a:rPr lang="en-US" sz="2000" b="1" dirty="0">
+                <a:effectLst/>
+                <a:latin typeface="Calibri" panose="020F0502020204030204" pitchFamily="34" charset="0"/>
+                <a:ea typeface="Calibri" panose="020F0502020204030204" pitchFamily="34" charset="0"/>
+                <a:cs typeface="Times New Roman" panose="02020603050405020304" pitchFamily="18" charset="0"/>
+              </a:rPr>
+              <a:t> “myemail@gmail.com”  : </a:t>
+            </a:r>
+            <a:r>
+              <a:rPr lang="en-US" sz="2000" dirty="0">
+                <a:effectLst/>
+                <a:latin typeface="Calibri" panose="020F0502020204030204" pitchFamily="34" charset="0"/>
+                <a:ea typeface="Calibri" panose="020F0502020204030204" pitchFamily="34" charset="0"/>
+                <a:cs typeface="Times New Roman" panose="02020603050405020304" pitchFamily="18" charset="0"/>
+              </a:rPr>
+              <a:t>one time command</a:t>
+            </a:r>
+          </a:p>
+          <a:p>
+            <a:pPr marL="342900" marR="0" lvl="0" indent="-342900">
+              <a:spcBef>
+                <a:spcPts val="0"/>
+              </a:spcBef>
+              <a:spcAft>
+                <a:spcPts val="0"/>
+              </a:spcAft>
+              <a:buFont typeface="Symbol" panose="05050102010706020507" pitchFamily="18" charset="2"/>
+              <a:buChar char=""/>
+            </a:pPr>
+            <a:r>
+              <a:rPr lang="en-US" sz="2000" b="1" dirty="0">
+                <a:effectLst/>
+                <a:latin typeface="Calibri" panose="020F0502020204030204" pitchFamily="34" charset="0"/>
+                <a:ea typeface="Calibri" panose="020F0502020204030204" pitchFamily="34" charset="0"/>
+                <a:cs typeface="Times New Roman" panose="02020603050405020304" pitchFamily="18" charset="0"/>
+              </a:rPr>
+              <a:t>git config --global user.name "</a:t>
+            </a:r>
+            <a:r>
+              <a:rPr lang="en-US" sz="2000" b="1" dirty="0" err="1">
+                <a:effectLst/>
+                <a:latin typeface="Calibri" panose="020F0502020204030204" pitchFamily="34" charset="0"/>
+                <a:ea typeface="Calibri" panose="020F0502020204030204" pitchFamily="34" charset="0"/>
+                <a:cs typeface="Times New Roman" panose="02020603050405020304" pitchFamily="18" charset="0"/>
+              </a:rPr>
+              <a:t>your_name</a:t>
+            </a:r>
+            <a:r>
+              <a:rPr lang="en-US" sz="2000" b="1" dirty="0">
+                <a:effectLst/>
+                <a:latin typeface="Calibri" panose="020F0502020204030204" pitchFamily="34" charset="0"/>
+                <a:ea typeface="Calibri" panose="020F0502020204030204" pitchFamily="34" charset="0"/>
+                <a:cs typeface="Times New Roman" panose="02020603050405020304" pitchFamily="18" charset="0"/>
+              </a:rPr>
+              <a:t>" : </a:t>
+            </a:r>
+            <a:r>
+              <a:rPr lang="en-US" sz="2000" dirty="0">
+                <a:effectLst/>
+                <a:latin typeface="Calibri" panose="020F0502020204030204" pitchFamily="34" charset="0"/>
+                <a:ea typeface="Calibri" panose="020F0502020204030204" pitchFamily="34" charset="0"/>
+                <a:cs typeface="Times New Roman" panose="02020603050405020304" pitchFamily="18" charset="0"/>
+              </a:rPr>
+              <a:t>one time command required to specify your name</a:t>
+            </a:r>
+          </a:p>
+          <a:p>
+            <a:pPr marL="0" marR="0">
+              <a:spcBef>
+                <a:spcPts val="0"/>
+              </a:spcBef>
+              <a:spcAft>
+                <a:spcPts val="0"/>
+              </a:spcAft>
+            </a:pPr>
+            <a:r>
+              <a:rPr lang="en-US" sz="2000" b="1" dirty="0">
+                <a:effectLst/>
+                <a:latin typeface="Calibri" panose="020F0502020204030204" pitchFamily="34" charset="0"/>
+                <a:ea typeface="Calibri" panose="020F0502020204030204" pitchFamily="34" charset="0"/>
+                <a:cs typeface="Calibri" panose="020F0502020204030204" pitchFamily="34" charset="0"/>
+              </a:rPr>
+              <a:t> </a:t>
+            </a:r>
+            <a:endParaRPr lang="en-US" sz="2000" dirty="0">
+              <a:effectLst/>
+              <a:latin typeface="Calibri" panose="020F0502020204030204" pitchFamily="34" charset="0"/>
+              <a:ea typeface="Calibri" panose="020F0502020204030204" pitchFamily="34" charset="0"/>
+              <a:cs typeface="Times New Roman" panose="02020603050405020304" pitchFamily="18" charset="0"/>
+            </a:endParaRPr>
+          </a:p>
+          <a:p>
+            <a:pPr marL="228600" marR="0">
+              <a:spcBef>
+                <a:spcPts val="0"/>
+              </a:spcBef>
+              <a:spcAft>
+                <a:spcPts val="0"/>
+              </a:spcAft>
+            </a:pPr>
+            <a:r>
+              <a:rPr lang="en-US" sz="2000" b="1" dirty="0">
+                <a:effectLst/>
+                <a:latin typeface="Calibri" panose="020F0502020204030204" pitchFamily="34" charset="0"/>
+                <a:ea typeface="Calibri" panose="020F0502020204030204" pitchFamily="34" charset="0"/>
+                <a:cs typeface="Calibri" panose="020F0502020204030204" pitchFamily="34" charset="0"/>
+              </a:rPr>
+              <a:t>To query</a:t>
+            </a:r>
+            <a:endParaRPr lang="en-US" sz="2000" dirty="0">
+              <a:effectLst/>
+              <a:latin typeface="Calibri" panose="020F0502020204030204" pitchFamily="34" charset="0"/>
+              <a:ea typeface="Calibri" panose="020F0502020204030204" pitchFamily="34" charset="0"/>
+              <a:cs typeface="Times New Roman" panose="02020603050405020304" pitchFamily="18" charset="0"/>
+            </a:endParaRPr>
+          </a:p>
+          <a:p>
+            <a:pPr marL="342900" marR="0" lvl="0" indent="-342900">
+              <a:spcBef>
+                <a:spcPts val="0"/>
+              </a:spcBef>
+              <a:spcAft>
+                <a:spcPts val="0"/>
+              </a:spcAft>
+              <a:buFont typeface="Symbol" panose="05050102010706020507" pitchFamily="18" charset="2"/>
+              <a:buChar char=""/>
+            </a:pPr>
+            <a:r>
+              <a:rPr lang="en-US" sz="2000" dirty="0">
+                <a:effectLst/>
+                <a:latin typeface="Calibri" panose="020F0502020204030204" pitchFamily="34" charset="0"/>
+                <a:ea typeface="Calibri" panose="020F0502020204030204" pitchFamily="34" charset="0"/>
+                <a:cs typeface="Calibri" panose="020F0502020204030204" pitchFamily="34" charset="0"/>
+              </a:rPr>
+              <a:t>git config –list : to list all the </a:t>
+            </a:r>
+            <a:r>
+              <a:rPr lang="en-US" sz="2000" dirty="0" err="1">
+                <a:effectLst/>
+                <a:latin typeface="Calibri" panose="020F0502020204030204" pitchFamily="34" charset="0"/>
+                <a:ea typeface="Calibri" panose="020F0502020204030204" pitchFamily="34" charset="0"/>
+                <a:cs typeface="Calibri" panose="020F0502020204030204" pitchFamily="34" charset="0"/>
+              </a:rPr>
+              <a:t>configrations</a:t>
+            </a:r>
+            <a:endParaRPr lang="en-US" sz="2000" dirty="0">
+              <a:effectLst/>
+              <a:latin typeface="Calibri" panose="020F0502020204030204" pitchFamily="34" charset="0"/>
+              <a:ea typeface="Calibri" panose="020F0502020204030204" pitchFamily="34" charset="0"/>
+              <a:cs typeface="Times New Roman" panose="02020603050405020304" pitchFamily="18" charset="0"/>
+            </a:endParaRPr>
+          </a:p>
+          <a:p>
+            <a:pPr marL="342900" marR="0" lvl="0" indent="-342900" fontAlgn="base">
+              <a:lnSpc>
+                <a:spcPct val="107000"/>
+              </a:lnSpc>
+              <a:spcBef>
+                <a:spcPts val="0"/>
+              </a:spcBef>
+              <a:spcAft>
+                <a:spcPts val="0"/>
+              </a:spcAft>
+              <a:buFont typeface="Symbol" panose="05050102010706020507" pitchFamily="18" charset="2"/>
+              <a:buChar char=""/>
+              <a:tabLst>
+                <a:tab pos="581660" algn="l"/>
+                <a:tab pos="1163320" algn="l"/>
+                <a:tab pos="1744980" algn="l"/>
+                <a:tab pos="2326640" algn="l"/>
+                <a:tab pos="2908300" algn="l"/>
+                <a:tab pos="3489960" algn="l"/>
+                <a:tab pos="4071620" algn="l"/>
+                <a:tab pos="4653280" algn="l"/>
+                <a:tab pos="5234940" algn="l"/>
+                <a:tab pos="5816600" algn="l"/>
+                <a:tab pos="6398260" algn="l"/>
+                <a:tab pos="6979920" algn="l"/>
+                <a:tab pos="7561580" algn="l"/>
+                <a:tab pos="8143240" algn="l"/>
+                <a:tab pos="8724900" algn="l"/>
+                <a:tab pos="9306560" algn="l"/>
+              </a:tabLst>
+            </a:pPr>
+            <a:r>
+              <a:rPr lang="en-US" sz="2000" dirty="0">
+                <a:effectLst/>
+                <a:latin typeface="Calibri" panose="020F0502020204030204" pitchFamily="34" charset="0"/>
+                <a:ea typeface="Times New Roman" panose="02020603050405020304" pitchFamily="18" charset="0"/>
+                <a:cs typeface="Calibri" panose="020F0502020204030204" pitchFamily="34" charset="0"/>
+              </a:rPr>
+              <a:t>git config user.name : to see the name in config</a:t>
+            </a:r>
+            <a:endParaRPr lang="en-US" sz="2000" dirty="0">
+              <a:effectLst/>
+              <a:latin typeface="Calibri" panose="020F0502020204030204" pitchFamily="34" charset="0"/>
+              <a:ea typeface="Calibri" panose="020F0502020204030204" pitchFamily="34" charset="0"/>
+              <a:cs typeface="Times New Roman" panose="02020603050405020304" pitchFamily="18" charset="0"/>
+            </a:endParaRPr>
+          </a:p>
+          <a:p>
+            <a:pPr marL="342900" marR="0" lvl="0" indent="-342900" fontAlgn="base">
+              <a:lnSpc>
+                <a:spcPct val="107000"/>
+              </a:lnSpc>
+              <a:spcBef>
+                <a:spcPts val="0"/>
+              </a:spcBef>
+              <a:spcAft>
+                <a:spcPts val="0"/>
+              </a:spcAft>
+              <a:buFont typeface="Symbol" panose="05050102010706020507" pitchFamily="18" charset="2"/>
+              <a:buChar char=""/>
+              <a:tabLst>
+                <a:tab pos="581660" algn="l"/>
+                <a:tab pos="1163320" algn="l"/>
+                <a:tab pos="1744980" algn="l"/>
+                <a:tab pos="2326640" algn="l"/>
+                <a:tab pos="2908300" algn="l"/>
+                <a:tab pos="3489960" algn="l"/>
+                <a:tab pos="4071620" algn="l"/>
+                <a:tab pos="4653280" algn="l"/>
+                <a:tab pos="5234940" algn="l"/>
+                <a:tab pos="5816600" algn="l"/>
+                <a:tab pos="6398260" algn="l"/>
+                <a:tab pos="6979920" algn="l"/>
+                <a:tab pos="7561580" algn="l"/>
+                <a:tab pos="8143240" algn="l"/>
+                <a:tab pos="8724900" algn="l"/>
+                <a:tab pos="9306560" algn="l"/>
+              </a:tabLst>
+            </a:pPr>
+            <a:r>
+              <a:rPr lang="en-US" sz="2000" dirty="0">
+                <a:effectLst/>
+                <a:latin typeface="Calibri" panose="020F0502020204030204" pitchFamily="34" charset="0"/>
+                <a:ea typeface="Times New Roman" panose="02020603050405020304" pitchFamily="18" charset="0"/>
+                <a:cs typeface="Calibri" panose="020F0502020204030204" pitchFamily="34" charset="0"/>
+              </a:rPr>
+              <a:t>git config </a:t>
+            </a:r>
+            <a:r>
+              <a:rPr lang="en-US" sz="2000" dirty="0" err="1">
+                <a:effectLst/>
+                <a:latin typeface="Calibri" panose="020F0502020204030204" pitchFamily="34" charset="0"/>
+                <a:ea typeface="Times New Roman" panose="02020603050405020304" pitchFamily="18" charset="0"/>
+                <a:cs typeface="Calibri" panose="020F0502020204030204" pitchFamily="34" charset="0"/>
+              </a:rPr>
+              <a:t>user.email</a:t>
+            </a:r>
+            <a:r>
+              <a:rPr lang="en-US" sz="2000" dirty="0">
+                <a:effectLst/>
+                <a:latin typeface="Calibri" panose="020F0502020204030204" pitchFamily="34" charset="0"/>
+                <a:ea typeface="Times New Roman" panose="02020603050405020304" pitchFamily="18" charset="0"/>
+                <a:cs typeface="Calibri" panose="020F0502020204030204" pitchFamily="34" charset="0"/>
+              </a:rPr>
+              <a:t> : to see the email in config</a:t>
+            </a:r>
+            <a:endParaRPr lang="en-US" sz="2000" dirty="0">
+              <a:effectLst/>
+              <a:latin typeface="Calibri" panose="020F0502020204030204" pitchFamily="34" charset="0"/>
+              <a:ea typeface="Calibri" panose="020F0502020204030204" pitchFamily="34" charset="0"/>
+              <a:cs typeface="Times New Roman" panose="02020603050405020304" pitchFamily="18" charset="0"/>
+            </a:endParaRPr>
+          </a:p>
+          <a:p>
+            <a:endParaRPr lang="en-US" dirty="0"/>
           </a:p>
         </p:txBody>
       </p:sp>
@@ -5085,37 +6629,549 @@
             <p:ph type="title"/>
           </p:nvPr>
         </p:nvSpPr>
-        <p:spPr/>
+        <p:spPr>
+          <a:xfrm>
+            <a:off x="838200" y="365125"/>
+            <a:ext cx="10515600" cy="664889"/>
+          </a:xfrm>
+        </p:spPr>
+        <p:txBody>
+          <a:bodyPr>
+            <a:normAutofit fontScale="90000"/>
+          </a:bodyPr>
+          <a:lstStyle/>
+          <a:p>
+            <a:r>
+              <a:rPr lang="en-US" dirty="0"/>
+              <a:t>Git commands</a:t>
+            </a:r>
+          </a:p>
+        </p:txBody>
+      </p:sp>
+      <p:sp>
+        <p:nvSpPr>
+          <p:cNvPr id="3" name="Content Placeholder 2">
+            <a:extLst>
+              <a:ext uri="{FF2B5EF4-FFF2-40B4-BE49-F238E27FC236}">
+                <a16:creationId xmlns:a16="http://schemas.microsoft.com/office/drawing/2014/main" id="{2DCCFFBE-4674-CF8D-AF2B-CAFABD4D05DE}"/>
+              </a:ext>
+            </a:extLst>
+          </p:cNvPr>
+          <p:cNvSpPr>
+            <a:spLocks noGrp="1"/>
+          </p:cNvSpPr>
+          <p:nvPr>
+            <p:ph idx="1"/>
+          </p:nvPr>
+        </p:nvSpPr>
+        <p:spPr>
+          <a:xfrm>
+            <a:off x="838200" y="1030014"/>
+            <a:ext cx="10515600" cy="5146949"/>
+          </a:xfrm>
+        </p:spPr>
         <p:txBody>
           <a:bodyPr/>
           <a:lstStyle/>
           <a:p>
-            <a:endParaRPr lang="en-US"/>
-          </a:p>
-        </p:txBody>
-      </p:sp>
-      <p:sp>
-        <p:nvSpPr>
-          <p:cNvPr id="3" name="Content Placeholder 2">
-            <a:extLst>
-              <a:ext uri="{FF2B5EF4-FFF2-40B4-BE49-F238E27FC236}">
-                <a16:creationId xmlns:a16="http://schemas.microsoft.com/office/drawing/2014/main" id="{2DCCFFBE-4674-CF8D-AF2B-CAFABD4D05DE}"/>
-              </a:ext>
-            </a:extLst>
-          </p:cNvPr>
-          <p:cNvSpPr>
-            <a:spLocks noGrp="1"/>
-          </p:cNvSpPr>
-          <p:nvPr>
-            <p:ph idx="1"/>
-          </p:nvPr>
-        </p:nvSpPr>
-        <p:spPr/>
-        <p:txBody>
-          <a:bodyPr/>
-          <a:lstStyle/>
-          <a:p>
-            <a:endParaRPr lang="en-US"/>
+            <a:pPr marL="0" marR="0" lvl="0" indent="0">
+              <a:spcBef>
+                <a:spcPts val="0"/>
+              </a:spcBef>
+              <a:spcAft>
+                <a:spcPts val="0"/>
+              </a:spcAft>
+              <a:buNone/>
+            </a:pPr>
+            <a:r>
+              <a:rPr lang="en-US" sz="1800" b="1" dirty="0">
+                <a:effectLst/>
+                <a:latin typeface="Calibri" panose="020F0502020204030204" pitchFamily="34" charset="0"/>
+                <a:ea typeface="Calibri" panose="020F0502020204030204" pitchFamily="34" charset="0"/>
+                <a:cs typeface="Times New Roman" panose="02020603050405020304" pitchFamily="18" charset="0"/>
+              </a:rPr>
+              <a:t>Initialize a Repository</a:t>
+            </a:r>
+          </a:p>
+          <a:p>
+            <a:pPr marL="342900" marR="0" lvl="0" indent="-342900">
+              <a:spcBef>
+                <a:spcPts val="0"/>
+              </a:spcBef>
+              <a:spcAft>
+                <a:spcPts val="0"/>
+              </a:spcAft>
+              <a:buFont typeface="Symbol" panose="05050102010706020507" pitchFamily="18" charset="2"/>
+              <a:buChar char=""/>
+            </a:pPr>
+            <a:r>
+              <a:rPr lang="en-US" sz="1800" b="1" dirty="0">
+                <a:effectLst/>
+                <a:latin typeface="Calibri" panose="020F0502020204030204" pitchFamily="34" charset="0"/>
+                <a:ea typeface="Calibri" panose="020F0502020204030204" pitchFamily="34" charset="0"/>
+                <a:cs typeface="Times New Roman" panose="02020603050405020304" pitchFamily="18" charset="0"/>
+              </a:rPr>
+              <a:t>git </a:t>
+            </a:r>
+            <a:r>
+              <a:rPr lang="en-US" sz="1800" b="1" dirty="0" err="1">
+                <a:effectLst/>
+                <a:latin typeface="Calibri" panose="020F0502020204030204" pitchFamily="34" charset="0"/>
+                <a:ea typeface="Calibri" panose="020F0502020204030204" pitchFamily="34" charset="0"/>
+                <a:cs typeface="Times New Roman" panose="02020603050405020304" pitchFamily="18" charset="0"/>
+              </a:rPr>
+              <a:t>init</a:t>
+            </a:r>
+            <a:r>
+              <a:rPr lang="en-US" sz="1800" dirty="0">
+                <a:effectLst/>
+                <a:latin typeface="Calibri" panose="020F0502020204030204" pitchFamily="34" charset="0"/>
+                <a:ea typeface="Calibri" panose="020F0502020204030204" pitchFamily="34" charset="0"/>
+                <a:cs typeface="Times New Roman" panose="02020603050405020304" pitchFamily="18" charset="0"/>
+              </a:rPr>
+              <a:t> : To </a:t>
+            </a:r>
+            <a:r>
+              <a:rPr lang="en-US" sz="1800" dirty="0" err="1">
+                <a:effectLst/>
+                <a:latin typeface="Calibri" panose="020F0502020204030204" pitchFamily="34" charset="0"/>
+                <a:ea typeface="Calibri" panose="020F0502020204030204" pitchFamily="34" charset="0"/>
+                <a:cs typeface="Times New Roman" panose="02020603050405020304" pitchFamily="18" charset="0"/>
+              </a:rPr>
+              <a:t>initialze</a:t>
+            </a:r>
+            <a:r>
+              <a:rPr lang="en-US" sz="1800" dirty="0">
+                <a:effectLst/>
+                <a:latin typeface="Calibri" panose="020F0502020204030204" pitchFamily="34" charset="0"/>
+                <a:ea typeface="Calibri" panose="020F0502020204030204" pitchFamily="34" charset="0"/>
+                <a:cs typeface="Times New Roman" panose="02020603050405020304" pitchFamily="18" charset="0"/>
+              </a:rPr>
+              <a:t> the repository / creates empty repository</a:t>
+            </a:r>
+          </a:p>
+          <a:p>
+            <a:pPr marL="0" marR="0" lvl="0" indent="0">
+              <a:spcBef>
+                <a:spcPts val="0"/>
+              </a:spcBef>
+              <a:spcAft>
+                <a:spcPts val="0"/>
+              </a:spcAft>
+              <a:buNone/>
+            </a:pPr>
+            <a:endParaRPr lang="en-US" sz="1800" dirty="0">
+              <a:effectLst/>
+              <a:latin typeface="Calibri" panose="020F0502020204030204" pitchFamily="34" charset="0"/>
+              <a:ea typeface="Calibri" panose="020F0502020204030204" pitchFamily="34" charset="0"/>
+              <a:cs typeface="Times New Roman" panose="02020603050405020304" pitchFamily="18" charset="0"/>
+            </a:endParaRPr>
+          </a:p>
+          <a:p>
+            <a:pPr marL="342900" marR="0" lvl="0" indent="-342900">
+              <a:spcBef>
+                <a:spcPts val="0"/>
+              </a:spcBef>
+              <a:spcAft>
+                <a:spcPts val="0"/>
+              </a:spcAft>
+              <a:buFont typeface="Symbol" panose="05050102010706020507" pitchFamily="18" charset="2"/>
+              <a:buChar char=""/>
+            </a:pPr>
+            <a:r>
+              <a:rPr lang="en-US" sz="1800" b="1" dirty="0">
+                <a:effectLst/>
+                <a:latin typeface="Calibri" panose="020F0502020204030204" pitchFamily="34" charset="0"/>
+                <a:ea typeface="Calibri" panose="020F0502020204030204" pitchFamily="34" charset="0"/>
+                <a:cs typeface="Times New Roman" panose="02020603050405020304" pitchFamily="18" charset="0"/>
+              </a:rPr>
+              <a:t>git status</a:t>
+            </a:r>
+            <a:r>
+              <a:rPr lang="en-US" sz="1800" dirty="0">
+                <a:effectLst/>
+                <a:latin typeface="Calibri" panose="020F0502020204030204" pitchFamily="34" charset="0"/>
+                <a:ea typeface="Calibri" panose="020F0502020204030204" pitchFamily="34" charset="0"/>
+                <a:cs typeface="Times New Roman" panose="02020603050405020304" pitchFamily="18" charset="0"/>
+              </a:rPr>
+              <a:t> : Get the status</a:t>
+            </a:r>
+          </a:p>
+          <a:p>
+            <a:pPr marL="342900" marR="0" lvl="0" indent="-342900">
+              <a:spcBef>
+                <a:spcPts val="0"/>
+              </a:spcBef>
+              <a:spcAft>
+                <a:spcPts val="0"/>
+              </a:spcAft>
+              <a:buFont typeface="Symbol" panose="05050102010706020507" pitchFamily="18" charset="2"/>
+              <a:buChar char=""/>
+            </a:pPr>
+            <a:r>
+              <a:rPr lang="en-US" sz="1800" dirty="0">
+                <a:effectLst/>
+                <a:latin typeface="Calibri" panose="020F0502020204030204" pitchFamily="34" charset="0"/>
+                <a:ea typeface="Calibri" panose="020F0502020204030204" pitchFamily="34" charset="0"/>
+                <a:cs typeface="Times New Roman" panose="02020603050405020304" pitchFamily="18" charset="0"/>
+              </a:rPr>
+              <a:t> </a:t>
+            </a:r>
+          </a:p>
+          <a:p>
+            <a:pPr marL="342900" marR="0" lvl="0" indent="-342900">
+              <a:spcBef>
+                <a:spcPts val="0"/>
+              </a:spcBef>
+              <a:spcAft>
+                <a:spcPts val="0"/>
+              </a:spcAft>
+              <a:buFont typeface="Symbol" panose="05050102010706020507" pitchFamily="18" charset="2"/>
+              <a:buChar char=""/>
+            </a:pPr>
+            <a:r>
+              <a:rPr lang="en-US" sz="1800" b="1" dirty="0">
+                <a:effectLst/>
+                <a:latin typeface="Calibri" panose="020F0502020204030204" pitchFamily="34" charset="0"/>
+                <a:ea typeface="Calibri" panose="020F0502020204030204" pitchFamily="34" charset="0"/>
+                <a:cs typeface="Times New Roman" panose="02020603050405020304" pitchFamily="18" charset="0"/>
+              </a:rPr>
+              <a:t>git add -A</a:t>
+            </a:r>
+            <a:r>
+              <a:rPr lang="en-US" sz="1800" dirty="0">
+                <a:effectLst/>
+                <a:latin typeface="Calibri" panose="020F0502020204030204" pitchFamily="34" charset="0"/>
+                <a:ea typeface="Calibri" panose="020F0502020204030204" pitchFamily="34" charset="0"/>
+                <a:cs typeface="Times New Roman" panose="02020603050405020304" pitchFamily="18" charset="0"/>
+              </a:rPr>
+              <a:t>  : adds all files to the staging area</a:t>
+            </a:r>
+          </a:p>
+          <a:p>
+            <a:pPr marL="342900" marR="0" lvl="0" indent="-342900">
+              <a:spcBef>
+                <a:spcPts val="0"/>
+              </a:spcBef>
+              <a:spcAft>
+                <a:spcPts val="0"/>
+              </a:spcAft>
+              <a:buFont typeface="Symbol" panose="05050102010706020507" pitchFamily="18" charset="2"/>
+              <a:buChar char=""/>
+            </a:pPr>
+            <a:r>
+              <a:rPr lang="en-US" sz="1800" b="1" dirty="0">
+                <a:effectLst/>
+                <a:latin typeface="Calibri" panose="020F0502020204030204" pitchFamily="34" charset="0"/>
+                <a:ea typeface="Calibri" panose="020F0502020204030204" pitchFamily="34" charset="0"/>
+                <a:cs typeface="Times New Roman" panose="02020603050405020304" pitchFamily="18" charset="0"/>
+              </a:rPr>
+              <a:t>git add </a:t>
+            </a:r>
+            <a:r>
+              <a:rPr lang="en-US" sz="1800" dirty="0">
+                <a:effectLst/>
+                <a:latin typeface="Calibri" panose="020F0502020204030204" pitchFamily="34" charset="0"/>
+                <a:ea typeface="Calibri" panose="020F0502020204030204" pitchFamily="34" charset="0"/>
+                <a:cs typeface="Times New Roman" panose="02020603050405020304" pitchFamily="18" charset="0"/>
+              </a:rPr>
+              <a:t>. : adds all files to the staging area</a:t>
+            </a:r>
+          </a:p>
+          <a:p>
+            <a:pPr marL="342900" marR="0" lvl="0" indent="-342900">
+              <a:spcBef>
+                <a:spcPts val="0"/>
+              </a:spcBef>
+              <a:spcAft>
+                <a:spcPts val="0"/>
+              </a:spcAft>
+              <a:buFont typeface="Symbol" panose="05050102010706020507" pitchFamily="18" charset="2"/>
+              <a:buChar char=""/>
+            </a:pPr>
+            <a:r>
+              <a:rPr lang="en-US" sz="1800" b="1" dirty="0">
+                <a:effectLst/>
+                <a:latin typeface="Calibri" panose="020F0502020204030204" pitchFamily="34" charset="0"/>
+                <a:ea typeface="Calibri" panose="020F0502020204030204" pitchFamily="34" charset="0"/>
+                <a:cs typeface="Times New Roman" panose="02020603050405020304" pitchFamily="18" charset="0"/>
+              </a:rPr>
+              <a:t>git add pom.xml</a:t>
+            </a:r>
+            <a:r>
+              <a:rPr lang="en-US" sz="1800" dirty="0">
+                <a:effectLst/>
+                <a:latin typeface="Calibri" panose="020F0502020204030204" pitchFamily="34" charset="0"/>
+                <a:ea typeface="Calibri" panose="020F0502020204030204" pitchFamily="34" charset="0"/>
+                <a:cs typeface="Times New Roman" panose="02020603050405020304" pitchFamily="18" charset="0"/>
+              </a:rPr>
+              <a:t>: adds specified files to the repository</a:t>
+            </a:r>
+          </a:p>
+          <a:p>
+            <a:pPr marR="0" indent="0">
+              <a:spcBef>
+                <a:spcPts val="0"/>
+              </a:spcBef>
+              <a:spcAft>
+                <a:spcPts val="0"/>
+              </a:spcAft>
+              <a:buNone/>
+            </a:pPr>
+            <a:r>
+              <a:rPr lang="en-US" sz="1800" b="1" dirty="0">
+                <a:effectLst/>
+                <a:latin typeface="Calibri" panose="020F0502020204030204" pitchFamily="34" charset="0"/>
+                <a:ea typeface="Calibri" panose="020F0502020204030204" pitchFamily="34" charset="0"/>
+                <a:cs typeface="Times New Roman" panose="02020603050405020304" pitchFamily="18" charset="0"/>
+              </a:rPr>
+              <a:t> </a:t>
+            </a:r>
+          </a:p>
+          <a:p>
+            <a:pPr marR="0" indent="0">
+              <a:spcBef>
+                <a:spcPts val="0"/>
+              </a:spcBef>
+              <a:spcAft>
+                <a:spcPts val="0"/>
+              </a:spcAft>
+              <a:buNone/>
+            </a:pPr>
+            <a:endParaRPr lang="en-US" sz="1800" dirty="0">
+              <a:effectLst/>
+              <a:latin typeface="Calibri" panose="020F0502020204030204" pitchFamily="34" charset="0"/>
+              <a:ea typeface="Calibri" panose="020F0502020204030204" pitchFamily="34" charset="0"/>
+              <a:cs typeface="Times New Roman" panose="02020603050405020304" pitchFamily="18" charset="0"/>
+            </a:endParaRPr>
+          </a:p>
+          <a:p>
+            <a:pPr marL="342900" marR="0" lvl="0" indent="-342900">
+              <a:spcBef>
+                <a:spcPts val="0"/>
+              </a:spcBef>
+              <a:spcAft>
+                <a:spcPts val="0"/>
+              </a:spcAft>
+              <a:buFont typeface="Symbol" panose="05050102010706020507" pitchFamily="18" charset="2"/>
+              <a:buChar char=""/>
+            </a:pPr>
+            <a:r>
+              <a:rPr lang="en-US" sz="1800" b="1" dirty="0">
+                <a:effectLst/>
+                <a:latin typeface="Calibri" panose="020F0502020204030204" pitchFamily="34" charset="0"/>
+                <a:ea typeface="Calibri" panose="020F0502020204030204" pitchFamily="34" charset="0"/>
+                <a:cs typeface="Times New Roman" panose="02020603050405020304" pitchFamily="18" charset="0"/>
+              </a:rPr>
+              <a:t>git commit -m "this is first commit"</a:t>
+            </a:r>
+            <a:r>
+              <a:rPr lang="en-US" sz="1800" dirty="0">
+                <a:effectLst/>
+                <a:latin typeface="Calibri" panose="020F0502020204030204" pitchFamily="34" charset="0"/>
+                <a:ea typeface="Calibri" panose="020F0502020204030204" pitchFamily="34" charset="0"/>
+                <a:cs typeface="Times New Roman" panose="02020603050405020304" pitchFamily="18" charset="0"/>
+              </a:rPr>
+              <a:t>: To commit the changes to the repository</a:t>
+            </a:r>
+          </a:p>
+          <a:p>
+            <a:pPr marL="342900" marR="0" lvl="0" indent="-342900">
+              <a:spcBef>
+                <a:spcPts val="0"/>
+              </a:spcBef>
+              <a:spcAft>
+                <a:spcPts val="0"/>
+              </a:spcAft>
+              <a:buFont typeface="Symbol" panose="05050102010706020507" pitchFamily="18" charset="2"/>
+              <a:buChar char=""/>
+            </a:pPr>
+            <a:r>
+              <a:rPr lang="en-US" sz="1800" b="1" dirty="0">
+                <a:effectLst/>
+                <a:latin typeface="Calibri" panose="020F0502020204030204" pitchFamily="34" charset="0"/>
+                <a:ea typeface="Calibri" panose="020F0502020204030204" pitchFamily="34" charset="0"/>
+                <a:cs typeface="Times New Roman" panose="02020603050405020304" pitchFamily="18" charset="0"/>
+              </a:rPr>
+              <a:t>git commit -a -m “adding modified files” : </a:t>
+            </a:r>
+            <a:r>
+              <a:rPr lang="en-US" sz="1800" dirty="0">
+                <a:effectLst/>
+                <a:latin typeface="Calibri" panose="020F0502020204030204" pitchFamily="34" charset="0"/>
+                <a:ea typeface="Calibri" panose="020F0502020204030204" pitchFamily="34" charset="0"/>
+                <a:cs typeface="Times New Roman" panose="02020603050405020304" pitchFamily="18" charset="0"/>
+              </a:rPr>
+              <a:t>Adds and commit in single command</a:t>
+            </a:r>
+          </a:p>
+          <a:p>
+            <a:pPr marR="0" indent="0">
+              <a:spcBef>
+                <a:spcPts val="0"/>
+              </a:spcBef>
+              <a:spcAft>
+                <a:spcPts val="0"/>
+              </a:spcAft>
+              <a:buNone/>
+            </a:pPr>
+            <a:r>
+              <a:rPr lang="en-US" sz="1800" b="1" dirty="0">
+                <a:effectLst/>
+                <a:latin typeface="Calibri" panose="020F0502020204030204" pitchFamily="34" charset="0"/>
+                <a:ea typeface="Calibri" panose="020F0502020204030204" pitchFamily="34" charset="0"/>
+                <a:cs typeface="Times New Roman" panose="02020603050405020304" pitchFamily="18" charset="0"/>
+              </a:rPr>
+              <a:t> </a:t>
+            </a:r>
+          </a:p>
+          <a:p>
+            <a:pPr marR="0" indent="0">
+              <a:spcBef>
+                <a:spcPts val="0"/>
+              </a:spcBef>
+              <a:spcAft>
+                <a:spcPts val="0"/>
+              </a:spcAft>
+              <a:buNone/>
+            </a:pPr>
+            <a:r>
+              <a:rPr lang="en-US" sz="1800" b="1" dirty="0">
+                <a:latin typeface="Calibri" panose="020F0502020204030204" pitchFamily="34" charset="0"/>
+                <a:ea typeface="Calibri" panose="020F0502020204030204" pitchFamily="34" charset="0"/>
+                <a:cs typeface="Times New Roman" panose="02020603050405020304" pitchFamily="18" charset="0"/>
+              </a:rPr>
+              <a:t>Log History</a:t>
+            </a:r>
+          </a:p>
+          <a:p>
+            <a:pPr marR="0" indent="0">
+              <a:spcBef>
+                <a:spcPts val="0"/>
+              </a:spcBef>
+              <a:spcAft>
+                <a:spcPts val="0"/>
+              </a:spcAft>
+              <a:buNone/>
+            </a:pPr>
+            <a:endParaRPr lang="en-US" sz="1800" dirty="0">
+              <a:effectLst/>
+              <a:latin typeface="Calibri" panose="020F0502020204030204" pitchFamily="34" charset="0"/>
+              <a:ea typeface="Calibri" panose="020F0502020204030204" pitchFamily="34" charset="0"/>
+              <a:cs typeface="Times New Roman" panose="02020603050405020304" pitchFamily="18" charset="0"/>
+            </a:endParaRPr>
+          </a:p>
+          <a:p>
+            <a:pPr marL="342900" marR="0" lvl="0" indent="-342900">
+              <a:spcBef>
+                <a:spcPts val="0"/>
+              </a:spcBef>
+              <a:spcAft>
+                <a:spcPts val="0"/>
+              </a:spcAft>
+              <a:buFont typeface="Symbol" panose="05050102010706020507" pitchFamily="18" charset="2"/>
+              <a:buChar char=""/>
+            </a:pPr>
+            <a:r>
+              <a:rPr lang="en-US" sz="1800" b="1" dirty="0">
+                <a:effectLst/>
+                <a:latin typeface="Calibri" panose="020F0502020204030204" pitchFamily="34" charset="0"/>
+                <a:ea typeface="Calibri" panose="020F0502020204030204" pitchFamily="34" charset="0"/>
+                <a:cs typeface="Times New Roman" panose="02020603050405020304" pitchFamily="18" charset="0"/>
+              </a:rPr>
+              <a:t>git log: </a:t>
+            </a:r>
+            <a:r>
+              <a:rPr lang="en-US" sz="1800" dirty="0">
+                <a:effectLst/>
+                <a:latin typeface="Calibri" panose="020F0502020204030204" pitchFamily="34" charset="0"/>
+                <a:ea typeface="Calibri" panose="020F0502020204030204" pitchFamily="34" charset="0"/>
+                <a:cs typeface="Times New Roman" panose="02020603050405020304" pitchFamily="18" charset="0"/>
+              </a:rPr>
+              <a:t>Shows commit history</a:t>
+            </a:r>
+            <a:r>
+              <a:rPr lang="en-US" sz="1800" b="1" dirty="0">
+                <a:effectLst/>
+                <a:latin typeface="Calibri" panose="020F0502020204030204" pitchFamily="34" charset="0"/>
+                <a:ea typeface="Calibri" panose="020F0502020204030204" pitchFamily="34" charset="0"/>
+                <a:cs typeface="Times New Roman" panose="02020603050405020304" pitchFamily="18" charset="0"/>
+              </a:rPr>
+              <a:t> ,  </a:t>
+            </a:r>
+            <a:r>
+              <a:rPr lang="en-US" sz="1800" dirty="0">
+                <a:effectLst/>
+                <a:latin typeface="Calibri" panose="020F0502020204030204" pitchFamily="34" charset="0"/>
+                <a:ea typeface="Calibri" panose="020F0502020204030204" pitchFamily="34" charset="0"/>
+                <a:cs typeface="Times New Roman" panose="02020603050405020304" pitchFamily="18" charset="0"/>
+              </a:rPr>
+              <a:t>displays the details of each commit ex: unique commit code, name, email, files, comment</a:t>
+            </a:r>
+            <a:endParaRPr lang="en-US" sz="1800" dirty="0">
+              <a:latin typeface="Calibri" panose="020F0502020204030204" pitchFamily="34" charset="0"/>
+              <a:ea typeface="Calibri" panose="020F0502020204030204" pitchFamily="34" charset="0"/>
+              <a:cs typeface="Times New Roman" panose="02020603050405020304" pitchFamily="18" charset="0"/>
+            </a:endParaRPr>
+          </a:p>
+          <a:p>
+            <a:pPr marL="342900" marR="0" lvl="0" indent="-342900">
+              <a:spcBef>
+                <a:spcPts val="0"/>
+              </a:spcBef>
+              <a:spcAft>
+                <a:spcPts val="0"/>
+              </a:spcAft>
+              <a:buFont typeface="Symbol" panose="05050102010706020507" pitchFamily="18" charset="2"/>
+              <a:buChar char=""/>
+            </a:pPr>
+            <a:r>
+              <a:rPr lang="en-US" sz="1800" b="1" dirty="0">
+                <a:latin typeface="Calibri" panose="020F0502020204030204" pitchFamily="34" charset="0"/>
+                <a:ea typeface="Calibri" panose="020F0502020204030204" pitchFamily="34" charset="0"/>
+                <a:cs typeface="Times New Roman" panose="02020603050405020304" pitchFamily="18" charset="0"/>
+              </a:rPr>
+              <a:t>g</a:t>
+            </a:r>
+            <a:r>
+              <a:rPr lang="en-US" sz="1800" b="1" dirty="0">
+                <a:effectLst/>
+                <a:latin typeface="Calibri" panose="020F0502020204030204" pitchFamily="34" charset="0"/>
+                <a:ea typeface="Calibri" panose="020F0502020204030204" pitchFamily="34" charset="0"/>
+                <a:cs typeface="Times New Roman" panose="02020603050405020304" pitchFamily="18" charset="0"/>
+              </a:rPr>
+              <a:t>it log –</a:t>
+            </a:r>
+            <a:r>
+              <a:rPr lang="en-US" sz="1800" b="1" dirty="0" err="1">
+                <a:effectLst/>
+                <a:latin typeface="Calibri" panose="020F0502020204030204" pitchFamily="34" charset="0"/>
+                <a:ea typeface="Calibri" panose="020F0502020204030204" pitchFamily="34" charset="0"/>
+                <a:cs typeface="Times New Roman" panose="02020603050405020304" pitchFamily="18" charset="0"/>
+              </a:rPr>
+              <a:t>oneline</a:t>
+            </a:r>
+            <a:r>
+              <a:rPr lang="en-US" sz="1800" b="1" dirty="0">
+                <a:effectLst/>
+                <a:latin typeface="Calibri" panose="020F0502020204030204" pitchFamily="34" charset="0"/>
+                <a:ea typeface="Calibri" panose="020F0502020204030204" pitchFamily="34" charset="0"/>
+                <a:cs typeface="Times New Roman" panose="02020603050405020304" pitchFamily="18" charset="0"/>
+              </a:rPr>
+              <a:t> </a:t>
+            </a:r>
+            <a:r>
+              <a:rPr lang="en-US" sz="1800" dirty="0">
+                <a:effectLst/>
+                <a:latin typeface="Calibri" panose="020F0502020204030204" pitchFamily="34" charset="0"/>
+                <a:ea typeface="Calibri" panose="020F0502020204030204" pitchFamily="34" charset="0"/>
+                <a:cs typeface="Times New Roman" panose="02020603050405020304" pitchFamily="18" charset="0"/>
+              </a:rPr>
+              <a:t>: displays the commit history in one line</a:t>
+            </a:r>
+          </a:p>
+          <a:p>
+            <a:endParaRPr lang="en-US" dirty="0"/>
           </a:p>
         </p:txBody>
       </p:sp>
@@ -5165,12 +7221,22 @@
             <p:ph type="title"/>
           </p:nvPr>
         </p:nvSpPr>
-        <p:spPr/>
-        <p:txBody>
-          <a:bodyPr/>
-          <a:lstStyle/>
-          <a:p>
-            <a:endParaRPr lang="en-US"/>
+        <p:spPr>
+          <a:xfrm>
+            <a:off x="838200" y="365126"/>
+            <a:ext cx="10515600" cy="465192"/>
+          </a:xfrm>
+        </p:spPr>
+        <p:txBody>
+          <a:bodyPr>
+            <a:normAutofit fontScale="90000"/>
+          </a:bodyPr>
+          <a:lstStyle/>
+          <a:p>
+            <a:r>
+              <a:rPr lang="en-US" dirty="0"/>
+              <a:t>Git commands</a:t>
+            </a:r>
           </a:p>
         </p:txBody>
       </p:sp>
@@ -5190,12 +7256,302 @@
             <p:ph idx="1"/>
           </p:nvPr>
         </p:nvSpPr>
-        <p:spPr/>
-        <p:txBody>
-          <a:bodyPr/>
-          <a:lstStyle/>
-          <a:p>
-            <a:endParaRPr lang="en-US"/>
+        <p:spPr>
+          <a:xfrm>
+            <a:off x="838200" y="935422"/>
+            <a:ext cx="10515600" cy="5210011"/>
+          </a:xfrm>
+        </p:spPr>
+        <p:txBody>
+          <a:bodyPr>
+            <a:normAutofit/>
+          </a:bodyPr>
+          <a:lstStyle/>
+          <a:p>
+            <a:pPr marL="342900" indent="-342900">
+              <a:spcBef>
+                <a:spcPts val="0"/>
+              </a:spcBef>
+              <a:buFont typeface="Symbol" panose="05050102010706020507" pitchFamily="18" charset="2"/>
+              <a:buChar char=""/>
+            </a:pPr>
+            <a:r>
+              <a:rPr lang="en-US" sz="2000" dirty="0">
+                <a:effectLst/>
+                <a:latin typeface="Calibri" panose="020F0502020204030204" pitchFamily="34" charset="0"/>
+                <a:ea typeface="Calibri" panose="020F0502020204030204" pitchFamily="34" charset="0"/>
+                <a:cs typeface="Times New Roman" panose="02020603050405020304" pitchFamily="18" charset="0"/>
+              </a:rPr>
+              <a:t>To compare the difference between the files</a:t>
+            </a:r>
+          </a:p>
+          <a:p>
+            <a:pPr marL="0" marR="0" lvl="0" indent="0">
+              <a:spcBef>
+                <a:spcPts val="0"/>
+              </a:spcBef>
+              <a:spcAft>
+                <a:spcPts val="0"/>
+              </a:spcAft>
+              <a:buNone/>
+            </a:pPr>
+            <a:r>
+              <a:rPr lang="en-US" sz="1800" b="1" dirty="0">
+                <a:effectLst/>
+                <a:latin typeface="Calibri" panose="020F0502020204030204" pitchFamily="34" charset="0"/>
+                <a:ea typeface="Calibri" panose="020F0502020204030204" pitchFamily="34" charset="0"/>
+                <a:cs typeface="Times New Roman" panose="02020603050405020304" pitchFamily="18" charset="0"/>
+              </a:rPr>
+              <a:t>        git diff : </a:t>
+            </a:r>
+          </a:p>
+          <a:p>
+            <a:pPr marL="342900" marR="0" lvl="0" indent="-342900">
+              <a:spcBef>
+                <a:spcPts val="0"/>
+              </a:spcBef>
+              <a:spcAft>
+                <a:spcPts val="0"/>
+              </a:spcAft>
+              <a:buFont typeface="Symbol" panose="05050102010706020507" pitchFamily="18" charset="2"/>
+              <a:buChar char=""/>
+            </a:pPr>
+            <a:endParaRPr lang="en-US" sz="1800" b="1" dirty="0">
+              <a:latin typeface="Calibri" panose="020F0502020204030204" pitchFamily="34" charset="0"/>
+              <a:ea typeface="Calibri" panose="020F0502020204030204" pitchFamily="34" charset="0"/>
+              <a:cs typeface="Times New Roman" panose="02020603050405020304" pitchFamily="18" charset="0"/>
+            </a:endParaRPr>
+          </a:p>
+          <a:p>
+            <a:pPr marL="342900" marR="0" lvl="0" indent="-342900">
+              <a:spcBef>
+                <a:spcPts val="0"/>
+              </a:spcBef>
+              <a:spcAft>
+                <a:spcPts val="0"/>
+              </a:spcAft>
+              <a:buFont typeface="Symbol" panose="05050102010706020507" pitchFamily="18" charset="2"/>
+              <a:buChar char=""/>
+            </a:pPr>
+            <a:r>
+              <a:rPr lang="en-US" sz="2000" dirty="0">
+                <a:effectLst/>
+                <a:latin typeface="Calibri" panose="020F0502020204030204" pitchFamily="34" charset="0"/>
+                <a:ea typeface="Calibri" panose="020F0502020204030204" pitchFamily="34" charset="0"/>
+                <a:cs typeface="Times New Roman" panose="02020603050405020304" pitchFamily="18" charset="0"/>
+              </a:rPr>
+              <a:t>compare between</a:t>
+            </a:r>
+          </a:p>
+          <a:p>
+            <a:pPr marL="800100" lvl="1" indent="-342900">
+              <a:spcBef>
+                <a:spcPts val="0"/>
+              </a:spcBef>
+              <a:buFont typeface="+mj-lt"/>
+              <a:buAutoNum type="arabicPeriod"/>
+            </a:pPr>
+            <a:r>
+              <a:rPr lang="en-US" sz="2000" dirty="0">
+                <a:effectLst/>
+                <a:latin typeface="Calibri" panose="020F0502020204030204" pitchFamily="34" charset="0"/>
+                <a:ea typeface="Calibri" panose="020F0502020204030204" pitchFamily="34" charset="0"/>
+                <a:cs typeface="Times New Roman" panose="02020603050405020304" pitchFamily="18" charset="0"/>
+              </a:rPr>
+              <a:t>working </a:t>
+            </a:r>
+            <a:r>
+              <a:rPr lang="en-US" sz="2000" dirty="0" err="1">
+                <a:effectLst/>
+                <a:latin typeface="Calibri" panose="020F0502020204030204" pitchFamily="34" charset="0"/>
+                <a:ea typeface="Calibri" panose="020F0502020204030204" pitchFamily="34" charset="0"/>
+                <a:cs typeface="Times New Roman" panose="02020603050405020304" pitchFamily="18" charset="0"/>
+              </a:rPr>
+              <a:t>dir</a:t>
+            </a:r>
+            <a:r>
+              <a:rPr lang="en-US" sz="2000" dirty="0">
+                <a:effectLst/>
+                <a:latin typeface="Calibri" panose="020F0502020204030204" pitchFamily="34" charset="0"/>
+                <a:ea typeface="Calibri" panose="020F0502020204030204" pitchFamily="34" charset="0"/>
+                <a:cs typeface="Times New Roman" panose="02020603050405020304" pitchFamily="18" charset="0"/>
+              </a:rPr>
+              <a:t> and staging</a:t>
+            </a:r>
+          </a:p>
+          <a:p>
+            <a:pPr marL="800100" lvl="1" indent="-342900">
+              <a:spcBef>
+                <a:spcPts val="0"/>
+              </a:spcBef>
+              <a:buFont typeface="+mj-lt"/>
+              <a:buAutoNum type="arabicPeriod"/>
+            </a:pPr>
+            <a:r>
+              <a:rPr lang="en-US" sz="2000" dirty="0">
+                <a:effectLst/>
+                <a:latin typeface="Calibri" panose="020F0502020204030204" pitchFamily="34" charset="0"/>
+                <a:ea typeface="Calibri" panose="020F0502020204030204" pitchFamily="34" charset="0"/>
+                <a:cs typeface="Times New Roman" panose="02020603050405020304" pitchFamily="18" charset="0"/>
+              </a:rPr>
+              <a:t>staging and local repo</a:t>
+            </a:r>
+          </a:p>
+          <a:p>
+            <a:pPr marL="800100" lvl="1" indent="-342900">
+              <a:spcBef>
+                <a:spcPts val="0"/>
+              </a:spcBef>
+              <a:buFont typeface="+mj-lt"/>
+              <a:buAutoNum type="arabicPeriod"/>
+            </a:pPr>
+            <a:r>
+              <a:rPr lang="en-US" sz="2000" dirty="0">
+                <a:effectLst/>
+                <a:latin typeface="Calibri" panose="020F0502020204030204" pitchFamily="34" charset="0"/>
+                <a:ea typeface="Calibri" panose="020F0502020204030204" pitchFamily="34" charset="0"/>
+                <a:cs typeface="Times New Roman" panose="02020603050405020304" pitchFamily="18" charset="0"/>
+              </a:rPr>
+              <a:t>local repo and remote repo	</a:t>
+            </a:r>
+          </a:p>
+          <a:p>
+            <a:pPr marL="0" indent="0">
+              <a:buNone/>
+            </a:pPr>
+            <a:r>
+              <a:rPr lang="en-US" sz="2000" b="1" dirty="0">
+                <a:effectLst/>
+                <a:latin typeface="Calibri" panose="020F0502020204030204" pitchFamily="34" charset="0"/>
+                <a:ea typeface="Calibri" panose="020F0502020204030204" pitchFamily="34" charset="0"/>
+                <a:cs typeface="Times New Roman" panose="02020603050405020304" pitchFamily="18" charset="0"/>
+              </a:rPr>
+              <a:t>To see the diff in file content bet working </a:t>
+            </a:r>
+            <a:r>
+              <a:rPr lang="en-US" sz="2000" b="1" dirty="0" err="1">
+                <a:effectLst/>
+                <a:latin typeface="Calibri" panose="020F0502020204030204" pitchFamily="34" charset="0"/>
+                <a:ea typeface="Calibri" panose="020F0502020204030204" pitchFamily="34" charset="0"/>
+                <a:cs typeface="Times New Roman" panose="02020603050405020304" pitchFamily="18" charset="0"/>
+              </a:rPr>
+              <a:t>dir</a:t>
+            </a:r>
+            <a:r>
+              <a:rPr lang="en-US" sz="2000" b="1" dirty="0">
+                <a:effectLst/>
+                <a:latin typeface="Calibri" panose="020F0502020204030204" pitchFamily="34" charset="0"/>
+                <a:ea typeface="Calibri" panose="020F0502020204030204" pitchFamily="34" charset="0"/>
+                <a:cs typeface="Times New Roman" panose="02020603050405020304" pitchFamily="18" charset="0"/>
+              </a:rPr>
+              <a:t> and staging area ( comparing before commit)</a:t>
+            </a:r>
+          </a:p>
+          <a:p>
+            <a:pPr marL="0" indent="0">
+              <a:buNone/>
+            </a:pPr>
+            <a:r>
+              <a:rPr lang="en-US" sz="2000" dirty="0"/>
+              <a:t>	git diff file1.txt</a:t>
+            </a:r>
+          </a:p>
+          <a:p>
+            <a:pPr marL="0" indent="0">
+              <a:buNone/>
+            </a:pPr>
+            <a:r>
+              <a:rPr lang="en-US" sz="2000" b="1" dirty="0">
+                <a:effectLst/>
+                <a:latin typeface="Calibri" panose="020F0502020204030204" pitchFamily="34" charset="0"/>
+                <a:ea typeface="Calibri" panose="020F0502020204030204" pitchFamily="34" charset="0"/>
+                <a:cs typeface="Times New Roman" panose="02020603050405020304" pitchFamily="18" charset="0"/>
+              </a:rPr>
+              <a:t>To see the diff in file content bet working </a:t>
+            </a:r>
+            <a:r>
+              <a:rPr lang="en-US" sz="2000" b="1" dirty="0" err="1">
+                <a:effectLst/>
+                <a:latin typeface="Calibri" panose="020F0502020204030204" pitchFamily="34" charset="0"/>
+                <a:ea typeface="Calibri" panose="020F0502020204030204" pitchFamily="34" charset="0"/>
+                <a:cs typeface="Times New Roman" panose="02020603050405020304" pitchFamily="18" charset="0"/>
+              </a:rPr>
+              <a:t>dir</a:t>
+            </a:r>
+            <a:r>
+              <a:rPr lang="en-US" sz="2000" b="1" dirty="0">
+                <a:effectLst/>
+                <a:latin typeface="Calibri" panose="020F0502020204030204" pitchFamily="34" charset="0"/>
+                <a:ea typeface="Calibri" panose="020F0502020204030204" pitchFamily="34" charset="0"/>
+                <a:cs typeface="Times New Roman" panose="02020603050405020304" pitchFamily="18" charset="0"/>
+              </a:rPr>
+              <a:t> and last commit</a:t>
+            </a:r>
+          </a:p>
+          <a:p>
+            <a:pPr marL="0" indent="0">
+              <a:buNone/>
+            </a:pPr>
+            <a:r>
+              <a:rPr lang="en-US" sz="1800" dirty="0">
+                <a:effectLst/>
+                <a:latin typeface="Calibri" panose="020F0502020204030204" pitchFamily="34" charset="0"/>
+                <a:ea typeface="Calibri" panose="020F0502020204030204" pitchFamily="34" charset="0"/>
+                <a:cs typeface="Times New Roman" panose="02020603050405020304" pitchFamily="18" charset="0"/>
+              </a:rPr>
+              <a:t>	git diff Head index.txt</a:t>
+            </a:r>
+            <a:endParaRPr lang="en-US" sz="2000" b="1" dirty="0">
+              <a:latin typeface="Calibri" panose="020F0502020204030204" pitchFamily="34" charset="0"/>
+              <a:ea typeface="Calibri" panose="020F0502020204030204" pitchFamily="34" charset="0"/>
+              <a:cs typeface="Times New Roman" panose="02020603050405020304" pitchFamily="18" charset="0"/>
+            </a:endParaRPr>
+          </a:p>
+          <a:p>
+            <a:pPr marL="0" indent="0">
+              <a:buNone/>
+            </a:pPr>
+            <a:r>
+              <a:rPr lang="en-US" sz="2000" b="1" dirty="0">
+                <a:effectLst/>
+                <a:latin typeface="Calibri" panose="020F0502020204030204" pitchFamily="34" charset="0"/>
+                <a:ea typeface="Calibri" panose="020F0502020204030204" pitchFamily="34" charset="0"/>
+                <a:cs typeface="Times New Roman" panose="02020603050405020304" pitchFamily="18" charset="0"/>
+              </a:rPr>
+              <a:t>To see the diff in file content bet staged copy and last commit</a:t>
+            </a:r>
+          </a:p>
+          <a:p>
+            <a:pPr marL="0" marR="0" indent="0">
+              <a:spcBef>
+                <a:spcPts val="0"/>
+              </a:spcBef>
+              <a:spcAft>
+                <a:spcPts val="0"/>
+              </a:spcAft>
+              <a:buNone/>
+            </a:pPr>
+            <a:r>
+              <a:rPr lang="en-US" sz="1800" dirty="0">
+                <a:effectLst/>
+                <a:latin typeface="Calibri" panose="020F0502020204030204" pitchFamily="34" charset="0"/>
+                <a:ea typeface="Calibri" panose="020F0502020204030204" pitchFamily="34" charset="0"/>
+                <a:cs typeface="Times New Roman" panose="02020603050405020304" pitchFamily="18" charset="0"/>
+              </a:rPr>
+              <a:t>	git diff --staged head index.txt</a:t>
+            </a:r>
+          </a:p>
+          <a:p>
+            <a:pPr marL="0" indent="0">
+              <a:buNone/>
+            </a:pPr>
+            <a:endParaRPr lang="en-US" sz="2000" dirty="0"/>
+          </a:p>
+          <a:p>
+            <a:pPr marL="0" indent="0">
+              <a:buNone/>
+            </a:pPr>
+            <a:endParaRPr lang="en-US" sz="2000" dirty="0"/>
           </a:p>
         </p:txBody>
       </p:sp>
@@ -5245,12 +7601,22 @@
             <p:ph type="title"/>
           </p:nvPr>
         </p:nvSpPr>
-        <p:spPr/>
-        <p:txBody>
-          <a:bodyPr/>
-          <a:lstStyle/>
-          <a:p>
-            <a:endParaRPr lang="en-US"/>
+        <p:spPr>
+          <a:xfrm>
+            <a:off x="838200" y="365125"/>
+            <a:ext cx="10515600" cy="496723"/>
+          </a:xfrm>
+        </p:spPr>
+        <p:txBody>
+          <a:bodyPr>
+            <a:normAutofit fontScale="90000"/>
+          </a:bodyPr>
+          <a:lstStyle/>
+          <a:p>
+            <a:r>
+              <a:rPr lang="en-US" dirty="0"/>
+              <a:t>Git commands</a:t>
+            </a:r>
           </a:p>
         </p:txBody>
       </p:sp>
@@ -5270,12 +7636,100 @@
             <p:ph idx="1"/>
           </p:nvPr>
         </p:nvSpPr>
-        <p:spPr/>
-        <p:txBody>
-          <a:bodyPr/>
-          <a:lstStyle/>
-          <a:p>
-            <a:endParaRPr lang="en-US"/>
+        <p:spPr>
+          <a:xfrm>
+            <a:off x="838200" y="861848"/>
+            <a:ext cx="10515600" cy="5315115"/>
+          </a:xfrm>
+        </p:spPr>
+        <p:txBody>
+          <a:bodyPr>
+            <a:normAutofit fontScale="92500" lnSpcReduction="10000"/>
+          </a:bodyPr>
+          <a:lstStyle/>
+          <a:p>
+            <a:pPr marL="0" indent="0">
+              <a:buNone/>
+            </a:pPr>
+            <a:r>
+              <a:rPr lang="en-US" dirty="0"/>
+              <a:t>Remove file</a:t>
+            </a:r>
+          </a:p>
+          <a:p>
+            <a:r>
+              <a:rPr lang="en-US" dirty="0"/>
+              <a:t>git rm file1.txt : removes file1.txt from working directory and staging</a:t>
+            </a:r>
+          </a:p>
+          <a:p>
+            <a:r>
+              <a:rPr lang="en-US" dirty="0"/>
+              <a:t>git rm -r . : removes all files from working directory and staging</a:t>
+            </a:r>
+          </a:p>
+          <a:p>
+            <a:r>
+              <a:rPr lang="en-US" dirty="0"/>
+              <a:t>git rm –cached file2.txt : Remove files from only staging</a:t>
+            </a:r>
+          </a:p>
+          <a:p>
+            <a:r>
+              <a:rPr lang="en-US" dirty="0"/>
+              <a:t>rm file3.txt : Remove files from working directory only</a:t>
+            </a:r>
+          </a:p>
+          <a:p>
+            <a:pPr marL="0" indent="0">
+              <a:buNone/>
+            </a:pPr>
+            <a:endParaRPr lang="en-US" dirty="0"/>
+          </a:p>
+          <a:p>
+            <a:pPr marL="0" indent="0">
+              <a:buNone/>
+            </a:pPr>
+            <a:r>
+              <a:rPr lang="en-US" dirty="0"/>
+              <a:t>Undo commits at repo level</a:t>
+            </a:r>
+          </a:p>
+          <a:p>
+            <a:r>
+              <a:rPr lang="en-US" dirty="0"/>
+              <a:t>git reset index.txt</a:t>
+            </a:r>
+          </a:p>
+          <a:p>
+            <a:r>
+              <a:rPr lang="en-US" dirty="0"/>
+              <a:t>git &lt;mode&gt; &lt;commit id&gt;</a:t>
+            </a:r>
+          </a:p>
+          <a:p>
+            <a:r>
+              <a:rPr lang="en-US" dirty="0"/>
+              <a:t>git reset --mixed 3e9df31</a:t>
+            </a:r>
+          </a:p>
+          <a:p>
+            <a:r>
+              <a:rPr lang="en-US" dirty="0"/>
+              <a:t>git reset --soft 92f8c16</a:t>
+            </a:r>
+          </a:p>
+          <a:p>
+            <a:r>
+              <a:rPr lang="en-US" dirty="0"/>
+              <a:t>git reset --hard 92f8c16</a:t>
+            </a:r>
+          </a:p>
+          <a:p>
+            <a:endParaRPr lang="en-US" dirty="0"/>
+          </a:p>
+          <a:p>
+            <a:endParaRPr lang="en-US" dirty="0"/>
           </a:p>
         </p:txBody>
       </p:sp>
@@ -5325,12 +7779,22 @@
             <p:ph type="title"/>
           </p:nvPr>
         </p:nvSpPr>
-        <p:spPr/>
-        <p:txBody>
-          <a:bodyPr/>
-          <a:lstStyle/>
-          <a:p>
-            <a:endParaRPr lang="en-US"/>
+        <p:spPr>
+          <a:xfrm>
+            <a:off x="838200" y="365125"/>
+            <a:ext cx="10515600" cy="433661"/>
+          </a:xfrm>
+        </p:spPr>
+        <p:txBody>
+          <a:bodyPr>
+            <a:normAutofit fontScale="90000"/>
+          </a:bodyPr>
+          <a:lstStyle/>
+          <a:p>
+            <a:r>
+              <a:rPr lang="en-US" dirty="0"/>
+              <a:t>Git commands</a:t>
+            </a:r>
           </a:p>
         </p:txBody>
       </p:sp>
@@ -5350,12 +7814,133 @@
             <p:ph idx="1"/>
           </p:nvPr>
         </p:nvSpPr>
-        <p:spPr/>
-        <p:txBody>
-          <a:bodyPr/>
-          <a:lstStyle/>
-          <a:p>
-            <a:endParaRPr lang="en-US"/>
+        <p:spPr>
+          <a:xfrm>
+            <a:off x="838200" y="924910"/>
+            <a:ext cx="10515600" cy="5252053"/>
+          </a:xfrm>
+        </p:spPr>
+        <p:txBody>
+          <a:bodyPr>
+            <a:normAutofit fontScale="70000" lnSpcReduction="20000"/>
+          </a:bodyPr>
+          <a:lstStyle/>
+          <a:p>
+            <a:endParaRPr lang="en-US" dirty="0"/>
+          </a:p>
+          <a:p>
+            <a:r>
+              <a:rPr lang="en-US" dirty="0"/>
+              <a:t>To create new branch</a:t>
+            </a:r>
+          </a:p>
+          <a:p>
+            <a:pPr marL="0" indent="0">
+              <a:buNone/>
+            </a:pPr>
+            <a:r>
+              <a:rPr lang="en-US" dirty="0"/>
+              <a:t>git branch </a:t>
+            </a:r>
+            <a:r>
+              <a:rPr lang="en-US" dirty="0" err="1"/>
+              <a:t>branchname</a:t>
+            </a:r>
+            <a:endParaRPr lang="en-US" dirty="0"/>
+          </a:p>
+          <a:p>
+            <a:endParaRPr lang="en-US" dirty="0"/>
+          </a:p>
+          <a:p>
+            <a:r>
+              <a:rPr lang="en-US" dirty="0"/>
+              <a:t>To view available branches</a:t>
+            </a:r>
+          </a:p>
+          <a:p>
+            <a:pPr marL="0" indent="0">
+              <a:buNone/>
+            </a:pPr>
+            <a:r>
+              <a:rPr lang="en-US" dirty="0"/>
+              <a:t>git branch </a:t>
+            </a:r>
+          </a:p>
+          <a:p>
+            <a:pPr marL="0" indent="0">
+              <a:buNone/>
+            </a:pPr>
+            <a:endParaRPr lang="en-US" dirty="0"/>
+          </a:p>
+          <a:p>
+            <a:r>
+              <a:rPr lang="en-US" dirty="0"/>
+              <a:t>To switch from one branch to another</a:t>
+            </a:r>
+          </a:p>
+          <a:p>
+            <a:pPr marL="0" indent="0">
+              <a:buNone/>
+            </a:pPr>
+            <a:r>
+              <a:rPr lang="en-US" dirty="0"/>
+              <a:t>git checkout </a:t>
+            </a:r>
+            <a:r>
+              <a:rPr lang="en-US" dirty="0" err="1"/>
+              <a:t>branchname</a:t>
+            </a:r>
+            <a:endParaRPr lang="en-US" dirty="0"/>
+          </a:p>
+          <a:p>
+            <a:pPr marL="0" indent="0">
+              <a:buNone/>
+            </a:pPr>
+            <a:endParaRPr lang="en-US" dirty="0"/>
+          </a:p>
+          <a:p>
+            <a:r>
+              <a:rPr lang="en-US" dirty="0"/>
+              <a:t>Creating and switching to a branch</a:t>
+            </a:r>
+          </a:p>
+          <a:p>
+            <a:pPr marL="0" indent="0">
+              <a:buNone/>
+            </a:pPr>
+            <a:r>
+              <a:rPr lang="en-US" dirty="0"/>
+              <a:t>git checkout -b </a:t>
+            </a:r>
+            <a:r>
+              <a:rPr lang="en-US" dirty="0" err="1"/>
+              <a:t>branchname</a:t>
+            </a:r>
+            <a:endParaRPr lang="en-US" dirty="0"/>
+          </a:p>
+          <a:p>
+            <a:pPr marL="0" indent="0">
+              <a:buNone/>
+            </a:pPr>
+            <a:endParaRPr lang="en-US" dirty="0"/>
+          </a:p>
+          <a:p>
+            <a:r>
+              <a:rPr lang="en-US" dirty="0"/>
+              <a:t>To delete a branch</a:t>
+            </a:r>
+          </a:p>
+          <a:p>
+            <a:pPr marL="0" indent="0">
+              <a:buNone/>
+            </a:pPr>
+            <a:r>
+              <a:rPr lang="en-US" dirty="0"/>
+              <a:t>git branch -d feature</a:t>
+            </a:r>
+          </a:p>
+          <a:p>
+            <a:endParaRPr lang="en-US" dirty="0"/>
           </a:p>
         </p:txBody>
       </p:sp>
